--- a/docs/figs/schematic_overview.pptx
+++ b/docs/figs/schematic_overview.pptx
@@ -243,7 +243,7 @@
           <a:p>
             <a:fld id="{4500DDF9-37A4-4EF1-9D2B-9606A59C7AB2}" type="datetimeFigureOut">
               <a:rPr lang="en-NL" smtClean="0"/>
-              <a:t>09/11/2021</a:t>
+              <a:t>14/11/2021</a:t>
             </a:fld>
             <a:endParaRPr lang="en-NL"/>
           </a:p>
@@ -413,7 +413,7 @@
           <a:p>
             <a:fld id="{4500DDF9-37A4-4EF1-9D2B-9606A59C7AB2}" type="datetimeFigureOut">
               <a:rPr lang="en-NL" smtClean="0"/>
-              <a:t>09/11/2021</a:t>
+              <a:t>14/11/2021</a:t>
             </a:fld>
             <a:endParaRPr lang="en-NL"/>
           </a:p>
@@ -593,7 +593,7 @@
           <a:p>
             <a:fld id="{4500DDF9-37A4-4EF1-9D2B-9606A59C7AB2}" type="datetimeFigureOut">
               <a:rPr lang="en-NL" smtClean="0"/>
-              <a:t>09/11/2021</a:t>
+              <a:t>14/11/2021</a:t>
             </a:fld>
             <a:endParaRPr lang="en-NL"/>
           </a:p>
@@ -763,7 +763,7 @@
           <a:p>
             <a:fld id="{4500DDF9-37A4-4EF1-9D2B-9606A59C7AB2}" type="datetimeFigureOut">
               <a:rPr lang="en-NL" smtClean="0"/>
-              <a:t>09/11/2021</a:t>
+              <a:t>14/11/2021</a:t>
             </a:fld>
             <a:endParaRPr lang="en-NL"/>
           </a:p>
@@ -1009,7 +1009,7 @@
           <a:p>
             <a:fld id="{4500DDF9-37A4-4EF1-9D2B-9606A59C7AB2}" type="datetimeFigureOut">
               <a:rPr lang="en-NL" smtClean="0"/>
-              <a:t>09/11/2021</a:t>
+              <a:t>14/11/2021</a:t>
             </a:fld>
             <a:endParaRPr lang="en-NL"/>
           </a:p>
@@ -1241,7 +1241,7 @@
           <a:p>
             <a:fld id="{4500DDF9-37A4-4EF1-9D2B-9606A59C7AB2}" type="datetimeFigureOut">
               <a:rPr lang="en-NL" smtClean="0"/>
-              <a:t>09/11/2021</a:t>
+              <a:t>14/11/2021</a:t>
             </a:fld>
             <a:endParaRPr lang="en-NL"/>
           </a:p>
@@ -1608,7 +1608,7 @@
           <a:p>
             <a:fld id="{4500DDF9-37A4-4EF1-9D2B-9606A59C7AB2}" type="datetimeFigureOut">
               <a:rPr lang="en-NL" smtClean="0"/>
-              <a:t>09/11/2021</a:t>
+              <a:t>14/11/2021</a:t>
             </a:fld>
             <a:endParaRPr lang="en-NL"/>
           </a:p>
@@ -1726,7 +1726,7 @@
           <a:p>
             <a:fld id="{4500DDF9-37A4-4EF1-9D2B-9606A59C7AB2}" type="datetimeFigureOut">
               <a:rPr lang="en-NL" smtClean="0"/>
-              <a:t>09/11/2021</a:t>
+              <a:t>14/11/2021</a:t>
             </a:fld>
             <a:endParaRPr lang="en-NL"/>
           </a:p>
@@ -1821,7 +1821,7 @@
           <a:p>
             <a:fld id="{4500DDF9-37A4-4EF1-9D2B-9606A59C7AB2}" type="datetimeFigureOut">
               <a:rPr lang="en-NL" smtClean="0"/>
-              <a:t>09/11/2021</a:t>
+              <a:t>14/11/2021</a:t>
             </a:fld>
             <a:endParaRPr lang="en-NL"/>
           </a:p>
@@ -2098,7 +2098,7 @@
           <a:p>
             <a:fld id="{4500DDF9-37A4-4EF1-9D2B-9606A59C7AB2}" type="datetimeFigureOut">
               <a:rPr lang="en-NL" smtClean="0"/>
-              <a:t>09/11/2021</a:t>
+              <a:t>14/11/2021</a:t>
             </a:fld>
             <a:endParaRPr lang="en-NL"/>
           </a:p>
@@ -2355,7 +2355,7 @@
           <a:p>
             <a:fld id="{4500DDF9-37A4-4EF1-9D2B-9606A59C7AB2}" type="datetimeFigureOut">
               <a:rPr lang="en-NL" smtClean="0"/>
-              <a:t>09/11/2021</a:t>
+              <a:t>14/11/2021</a:t>
             </a:fld>
             <a:endParaRPr lang="en-NL"/>
           </a:p>
@@ -2568,7 +2568,7 @@
           <a:p>
             <a:fld id="{4500DDF9-37A4-4EF1-9D2B-9606A59C7AB2}" type="datetimeFigureOut">
               <a:rPr lang="en-NL" smtClean="0"/>
-              <a:t>09/11/2021</a:t>
+              <a:t>14/11/2021</a:t>
             </a:fld>
             <a:endParaRPr lang="en-NL"/>
           </a:p>
@@ -2973,42 +2973,6 @@
           <a:chExt cx="0" cy="0"/>
         </a:xfrm>
       </p:grpSpPr>
-      <p:pic>
-        <p:nvPicPr>
-          <p:cNvPr id="89" name="Picture 88" descr="A picture containing music, guitar, building material, bass&#10;&#10;Description automatically generated">
-            <a:extLst>
-              <a:ext uri="{FF2B5EF4-FFF2-40B4-BE49-F238E27FC236}">
-                <a16:creationId xmlns:a16="http://schemas.microsoft.com/office/drawing/2014/main" id="{C0BAB75A-28E7-46DB-9C0F-23045E3F81D3}"/>
-              </a:ext>
-            </a:extLst>
-          </p:cNvPr>
-          <p:cNvPicPr>
-            <a:picLocks noChangeAspect="1"/>
-          </p:cNvPicPr>
-          <p:nvPr/>
-        </p:nvPicPr>
-        <p:blipFill>
-          <a:blip r:embed="rId2">
-            <a:extLst>
-              <a:ext uri="{28A0092B-C50C-407E-A947-70E740481C1C}">
-                <a14:useLocalDpi xmlns:a14="http://schemas.microsoft.com/office/drawing/2010/main" val="0"/>
-              </a:ext>
-            </a:extLst>
-          </a:blip>
-          <a:stretch>
-            <a:fillRect/>
-          </a:stretch>
-        </p:blipFill>
-        <p:spPr>
-          <a:xfrm rot="12529207">
-            <a:off x="11057865" y="1426479"/>
-            <a:ext cx="262974" cy="235800"/>
-          </a:xfrm>
-          <a:prstGeom prst="rect">
-            <a:avLst/>
-          </a:prstGeom>
-        </p:spPr>
-      </p:pic>
       <p:sp>
         <p:nvSpPr>
           <p:cNvPr id="90" name="Rectangle: Rounded Corners 89">
@@ -3023,7 +2987,7 @@
         </p:nvSpPr>
         <p:spPr>
           <a:xfrm>
-            <a:off x="2101821" y="953582"/>
+            <a:off x="2605516" y="887714"/>
             <a:ext cx="2515940" cy="910065"/>
           </a:xfrm>
           <a:prstGeom prst="roundRect">
@@ -3084,8 +3048,8 @@
         </p:nvCxnSpPr>
         <p:spPr>
           <a:xfrm>
-            <a:off x="1527152" y="1408614"/>
-            <a:ext cx="540000" cy="0"/>
+            <a:off x="2046347" y="1351856"/>
+            <a:ext cx="468000" cy="0"/>
           </a:xfrm>
           <a:prstGeom prst="straightConnector1">
             <a:avLst/>
@@ -3123,7 +3087,7 @@
         </p:nvGrpSpPr>
         <p:grpSpPr>
           <a:xfrm>
-            <a:off x="385697" y="953582"/>
+            <a:off x="889392" y="887714"/>
             <a:ext cx="1087745" cy="910065"/>
             <a:chOff x="2140824" y="3388914"/>
             <a:chExt cx="1087745" cy="910065"/>
@@ -3203,7 +3167,7 @@
             <p:nvPr/>
           </p:nvPicPr>
           <p:blipFill>
-            <a:blip r:embed="rId3">
+            <a:blip r:embed="rId2">
               <a:extLst>
                 <a:ext uri="{28A0092B-C50C-407E-A947-70E740481C1C}">
                   <a14:useLocalDpi xmlns:a14="http://schemas.microsoft.com/office/drawing/2010/main" val="0"/>
@@ -3239,7 +3203,7 @@
             <p:nvPr/>
           </p:nvPicPr>
           <p:blipFill>
-            <a:blip r:embed="rId4">
+            <a:blip r:embed="rId3">
               <a:extLst>
                 <a:ext uri="{28A0092B-C50C-407E-A947-70E740481C1C}">
                   <a14:useLocalDpi xmlns:a14="http://schemas.microsoft.com/office/drawing/2010/main" val="0"/>
@@ -3275,7 +3239,7 @@
             <p:nvPr/>
           </p:nvPicPr>
           <p:blipFill>
-            <a:blip r:embed="rId5">
+            <a:blip r:embed="rId4">
               <a:extLst>
                 <a:ext uri="{28A0092B-C50C-407E-A947-70E740481C1C}">
                   <a14:useLocalDpi xmlns:a14="http://schemas.microsoft.com/office/drawing/2010/main" val="0"/>
@@ -3313,7 +3277,7 @@
         </p:nvCxnSpPr>
         <p:spPr>
           <a:xfrm>
-            <a:off x="957278" y="494218"/>
+            <a:off x="1460973" y="463225"/>
             <a:ext cx="0" cy="288000"/>
           </a:xfrm>
           <a:prstGeom prst="straightConnector1">
@@ -3352,7 +3316,7 @@
         </p:nvSpPr>
         <p:spPr>
           <a:xfrm>
-            <a:off x="554283" y="134072"/>
+            <a:off x="1057978" y="130199"/>
             <a:ext cx="805990" cy="307777"/>
           </a:xfrm>
           <a:prstGeom prst="rect">
@@ -3394,7 +3358,7 @@
         </p:nvCxnSpPr>
         <p:spPr>
           <a:xfrm flipV="1">
-            <a:off x="957278" y="1964400"/>
+            <a:off x="1460973" y="1898532"/>
             <a:ext cx="0" cy="288000"/>
           </a:xfrm>
           <a:prstGeom prst="straightConnector1">
@@ -3433,7 +3397,7 @@
         </p:nvSpPr>
         <p:spPr>
           <a:xfrm>
-            <a:off x="151830" y="2264830"/>
+            <a:off x="638312" y="2203301"/>
             <a:ext cx="1645322" cy="307777"/>
           </a:xfrm>
           <a:prstGeom prst="rect">
@@ -3474,7 +3438,7 @@
           <p:nvPr/>
         </p:nvPicPr>
         <p:blipFill>
-          <a:blip r:embed="rId6">
+          <a:blip r:embed="rId5">
             <a:clrChange>
               <a:clrFrom>
                 <a:srgbClr val="FAFAFA"/>
@@ -3492,7 +3456,7 @@
         </p:blipFill>
         <p:spPr>
           <a:xfrm>
-            <a:off x="3919359" y="1077051"/>
+            <a:off x="4423054" y="1011183"/>
             <a:ext cx="525086" cy="529971"/>
           </a:xfrm>
           <a:prstGeom prst="rect">
@@ -3514,8 +3478,8 @@
         </p:nvSpPr>
         <p:spPr>
           <a:xfrm>
-            <a:off x="2101821" y="602849"/>
-            <a:ext cx="1701242" cy="307777"/>
+            <a:off x="2605515" y="535012"/>
+            <a:ext cx="2515931" cy="307777"/>
           </a:xfrm>
           <a:prstGeom prst="rect">
             <a:avLst/>
@@ -3562,7 +3526,7 @@
           <p:nvPr/>
         </p:nvPicPr>
         <p:blipFill>
-          <a:blip r:embed="rId7">
+          <a:blip r:embed="rId6">
             <a:clrChange>
               <a:clrFrom>
                 <a:srgbClr val="F2F2F2"/>
@@ -3580,7 +3544,7 @@
         </p:blipFill>
         <p:spPr>
           <a:xfrm>
-            <a:off x="2285806" y="1105455"/>
+            <a:off x="2789501" y="1039587"/>
             <a:ext cx="478249" cy="473161"/>
           </a:xfrm>
           <a:prstGeom prst="rect">
@@ -3602,7 +3566,7 @@
         </p:nvSpPr>
         <p:spPr>
           <a:xfrm>
-            <a:off x="2065878" y="1598021"/>
+            <a:off x="2569573" y="1532153"/>
             <a:ext cx="1005397" cy="246221"/>
           </a:xfrm>
           <a:prstGeom prst="rect">
@@ -3667,7 +3631,7 @@
         </p:nvSpPr>
         <p:spPr>
           <a:xfrm>
-            <a:off x="3882141" y="1610264"/>
+            <a:off x="4385836" y="1544396"/>
             <a:ext cx="570794" cy="246221"/>
           </a:xfrm>
           <a:prstGeom prst="rect">
@@ -3711,7 +3675,7 @@
         </p:nvSpPr>
         <p:spPr>
           <a:xfrm>
-            <a:off x="5325654" y="953582"/>
+            <a:off x="5829349" y="887714"/>
             <a:ext cx="1785463" cy="910065"/>
           </a:xfrm>
           <a:prstGeom prst="roundRect">
@@ -3772,7 +3736,7 @@
         </p:nvCxnSpPr>
         <p:spPr>
           <a:xfrm>
-            <a:off x="4731610" y="1408614"/>
+            <a:off x="5223680" y="1351856"/>
             <a:ext cx="540000" cy="0"/>
           </a:xfrm>
           <a:prstGeom prst="straightConnector1">
@@ -3811,7 +3775,7 @@
         </p:nvSpPr>
         <p:spPr>
           <a:xfrm>
-            <a:off x="5325653" y="602849"/>
+            <a:off x="5829348" y="535012"/>
             <a:ext cx="1785461" cy="307777"/>
           </a:xfrm>
           <a:prstGeom prst="rect">
@@ -3858,7 +3822,7 @@
         </p:nvSpPr>
         <p:spPr>
           <a:xfrm>
-            <a:off x="5367206" y="1598021"/>
+            <a:off x="5870901" y="1532153"/>
             <a:ext cx="758006" cy="246221"/>
           </a:xfrm>
           <a:prstGeom prst="rect">
@@ -3905,7 +3869,7 @@
         </p:nvSpPr>
         <p:spPr>
           <a:xfrm>
-            <a:off x="6215338" y="1610264"/>
+            <a:off x="6719033" y="1544396"/>
             <a:ext cx="691398" cy="246221"/>
           </a:xfrm>
           <a:prstGeom prst="rect">
@@ -3944,6 +3908,53 @@
             <a:extLst>
               <a:ext uri="{FF2B5EF4-FFF2-40B4-BE49-F238E27FC236}">
                 <a16:creationId xmlns:a16="http://schemas.microsoft.com/office/drawing/2014/main" id="{DAF75B77-0B75-4CD8-8EA5-D66C15D26CC5}"/>
+              </a:ext>
+            </a:extLst>
+          </p:cNvPr>
+          <p:cNvPicPr>
+            <a:picLocks noChangeAspect="1" noChangeArrowheads="1"/>
+          </p:cNvPicPr>
+          <p:nvPr/>
+        </p:nvPicPr>
+        <p:blipFill>
+          <a:blip r:embed="rId7">
+            <a:extLst>
+              <a:ext uri="{28A0092B-C50C-407E-A947-70E740481C1C}">
+                <a14:useLocalDpi xmlns:a14="http://schemas.microsoft.com/office/drawing/2010/main" val="0"/>
+              </a:ext>
+            </a:extLst>
+          </a:blip>
+          <a:srcRect/>
+          <a:stretch>
+            <a:fillRect/>
+          </a:stretch>
+        </p:blipFill>
+        <p:spPr bwMode="auto">
+          <a:xfrm>
+            <a:off x="5942301" y="962232"/>
+            <a:ext cx="600950" cy="600950"/>
+          </a:xfrm>
+          <a:prstGeom prst="rect">
+            <a:avLst/>
+          </a:prstGeom>
+          <a:noFill/>
+          <a:extLst>
+            <a:ext uri="{909E8E84-426E-40DD-AFC4-6F175D3DCCD1}">
+              <a14:hiddenFill xmlns:a14="http://schemas.microsoft.com/office/drawing/2010/main">
+                <a:solidFill>
+                  <a:srgbClr val="FFFFFF"/>
+                </a:solidFill>
+              </a14:hiddenFill>
+            </a:ext>
+          </a:extLst>
+        </p:spPr>
+      </p:pic>
+      <p:pic>
+        <p:nvPicPr>
+          <p:cNvPr id="112" name="Picture 6" descr="VLFeat - Tutorials &gt; HOG features">
+            <a:extLst>
+              <a:ext uri="{FF2B5EF4-FFF2-40B4-BE49-F238E27FC236}">
+                <a16:creationId xmlns:a16="http://schemas.microsoft.com/office/drawing/2014/main" id="{09A48E65-FDF7-42E4-A228-CDD5A05CACD9}"/>
               </a:ext>
             </a:extLst>
           </p:cNvPr>
@@ -3967,8 +3978,8 @@
         </p:blipFill>
         <p:spPr bwMode="auto">
           <a:xfrm>
-            <a:off x="5438606" y="1028100"/>
-            <a:ext cx="600950" cy="600950"/>
+            <a:off x="6828486" y="1039587"/>
+            <a:ext cx="427293" cy="427293"/>
           </a:xfrm>
           <a:prstGeom prst="rect">
             <a:avLst/>
@@ -3985,12 +3996,206 @@
           </a:extLst>
         </p:spPr>
       </p:pic>
+      <p:sp>
+        <p:nvSpPr>
+          <p:cNvPr id="113" name="Rectangle: Rounded Corners 112">
+            <a:extLst>
+              <a:ext uri="{FF2B5EF4-FFF2-40B4-BE49-F238E27FC236}">
+                <a16:creationId xmlns:a16="http://schemas.microsoft.com/office/drawing/2014/main" id="{6425DD11-68A9-4AB8-819C-91C6605815B8}"/>
+              </a:ext>
+            </a:extLst>
+          </p:cNvPr>
+          <p:cNvSpPr/>
+          <p:nvPr/>
+        </p:nvSpPr>
+        <p:spPr>
+          <a:xfrm>
+            <a:off x="8388809" y="313889"/>
+            <a:ext cx="799558" cy="910065"/>
+          </a:xfrm>
+          <a:prstGeom prst="roundRect">
+            <a:avLst>
+              <a:gd name="adj" fmla="val 6647"/>
+            </a:avLst>
+          </a:prstGeom>
+          <a:noFill/>
+          <a:ln w="6350">
+            <a:solidFill>
+              <a:schemeClr val="tx1"/>
+            </a:solidFill>
+          </a:ln>
+        </p:spPr>
+        <p:style>
+          <a:lnRef idx="2">
+            <a:schemeClr val="accent1">
+              <a:shade val="50000"/>
+            </a:schemeClr>
+          </a:lnRef>
+          <a:fillRef idx="1">
+            <a:schemeClr val="accent1"/>
+          </a:fillRef>
+          <a:effectRef idx="0">
+            <a:schemeClr val="accent1"/>
+          </a:effectRef>
+          <a:fontRef idx="minor">
+            <a:schemeClr val="lt1"/>
+          </a:fontRef>
+        </p:style>
+        <p:txBody>
+          <a:bodyPr rtlCol="0" anchor="ctr"/>
+          <a:lstStyle/>
+          <a:p>
+            <a:pPr algn="ctr"/>
+            <a:endParaRPr lang="en-NL" sz="1400" dirty="0">
+              <a:solidFill>
+                <a:schemeClr val="tx1"/>
+              </a:solidFill>
+              <a:latin typeface="+mj-lt"/>
+            </a:endParaRPr>
+          </a:p>
+        </p:txBody>
+      </p:sp>
+      <p:cxnSp>
+        <p:nvCxnSpPr>
+          <p:cNvPr id="114" name="Straight Arrow Connector 113">
+            <a:extLst>
+              <a:ext uri="{FF2B5EF4-FFF2-40B4-BE49-F238E27FC236}">
+                <a16:creationId xmlns:a16="http://schemas.microsoft.com/office/drawing/2014/main" id="{F929BD24-B4E1-4044-92A5-19F877486E43}"/>
+              </a:ext>
+            </a:extLst>
+          </p:cNvPr>
+          <p:cNvCxnSpPr>
+            <a:cxnSpLocks/>
+          </p:cNvCxnSpPr>
+          <p:nvPr/>
+        </p:nvCxnSpPr>
+        <p:spPr>
+          <a:xfrm>
+            <a:off x="7730539" y="1351856"/>
+            <a:ext cx="564929" cy="341738"/>
+          </a:xfrm>
+          <a:prstGeom prst="straightConnector1">
+            <a:avLst/>
+          </a:prstGeom>
+          <a:ln w="12700">
+            <a:tailEnd type="triangle"/>
+          </a:ln>
+        </p:spPr>
+        <p:style>
+          <a:lnRef idx="1">
+            <a:schemeClr val="dk1"/>
+          </a:lnRef>
+          <a:fillRef idx="0">
+            <a:schemeClr val="dk1"/>
+          </a:fillRef>
+          <a:effectRef idx="0">
+            <a:schemeClr val="dk1"/>
+          </a:effectRef>
+          <a:fontRef idx="minor">
+            <a:schemeClr val="tx1"/>
+          </a:fontRef>
+        </p:style>
+      </p:cxnSp>
+      <p:sp>
+        <p:nvSpPr>
+          <p:cNvPr id="115" name="TextBox 114">
+            <a:extLst>
+              <a:ext uri="{FF2B5EF4-FFF2-40B4-BE49-F238E27FC236}">
+                <a16:creationId xmlns:a16="http://schemas.microsoft.com/office/drawing/2014/main" id="{CBD63BF5-9164-4D51-A04B-1B7EBAAA0AD8}"/>
+              </a:ext>
+            </a:extLst>
+          </p:cNvPr>
+          <p:cNvSpPr txBox="1"/>
+          <p:nvPr/>
+        </p:nvSpPr>
+        <p:spPr>
+          <a:xfrm>
+            <a:off x="8128306" y="-36359"/>
+            <a:ext cx="1339097" cy="307777"/>
+          </a:xfrm>
+          <a:prstGeom prst="rect">
+            <a:avLst/>
+          </a:prstGeom>
+          <a:noFill/>
+        </p:spPr>
+        <p:txBody>
+          <a:bodyPr wrap="square">
+            <a:spAutoFit/>
+          </a:bodyPr>
+          <a:lstStyle/>
+          <a:p>
+            <a:pPr algn="ctr"/>
+            <a:r>
+              <a:rPr lang="en-US" sz="1400" dirty="0">
+                <a:solidFill>
+                  <a:schemeClr val="tx1"/>
+                </a:solidFill>
+                <a:latin typeface="+mj-lt"/>
+              </a:rPr>
+              <a:t>Embedding</a:t>
+            </a:r>
+            <a:endParaRPr lang="en-NL" sz="1400" dirty="0">
+              <a:solidFill>
+                <a:schemeClr val="tx1"/>
+              </a:solidFill>
+              <a:latin typeface="+mj-lt"/>
+            </a:endParaRPr>
+          </a:p>
+        </p:txBody>
+      </p:sp>
+      <p:sp>
+        <p:nvSpPr>
+          <p:cNvPr id="116" name="TextBox 115">
+            <a:extLst>
+              <a:ext uri="{FF2B5EF4-FFF2-40B4-BE49-F238E27FC236}">
+                <a16:creationId xmlns:a16="http://schemas.microsoft.com/office/drawing/2014/main" id="{832A480F-1B8C-4FF2-8FCD-20B3FF833764}"/>
+              </a:ext>
+            </a:extLst>
+          </p:cNvPr>
+          <p:cNvSpPr txBox="1"/>
+          <p:nvPr/>
+        </p:nvSpPr>
+        <p:spPr>
+          <a:xfrm>
+            <a:off x="8430361" y="960782"/>
+            <a:ext cx="758006" cy="246221"/>
+          </a:xfrm>
+          <a:prstGeom prst="rect">
+            <a:avLst/>
+          </a:prstGeom>
+          <a:noFill/>
+        </p:spPr>
+        <p:txBody>
+          <a:bodyPr wrap="square">
+            <a:spAutoFit/>
+          </a:bodyPr>
+          <a:lstStyle/>
+          <a:p>
+            <a:pPr algn="ctr"/>
+            <a:r>
+              <a:rPr lang="en-US" sz="1000" dirty="0" err="1">
+                <a:solidFill>
+                  <a:schemeClr val="tx1"/>
+                </a:solidFill>
+                <a:latin typeface="+mj-lt"/>
+              </a:rPr>
+              <a:t>tSNE</a:t>
+            </a:r>
+            <a:endParaRPr lang="en-NL" sz="1000" dirty="0">
+              <a:solidFill>
+                <a:schemeClr val="tx1"/>
+              </a:solidFill>
+              <a:latin typeface="+mj-lt"/>
+            </a:endParaRPr>
+          </a:p>
+        </p:txBody>
+      </p:sp>
       <p:pic>
         <p:nvPicPr>
-          <p:cNvPr id="112" name="Picture 6" descr="VLFeat - Tutorials &gt; HOG features">
+          <p:cNvPr id="117" name="Picture 8" descr="Embedding Icon 3147570">
             <a:extLst>
               <a:ext uri="{FF2B5EF4-FFF2-40B4-BE49-F238E27FC236}">
-                <a16:creationId xmlns:a16="http://schemas.microsoft.com/office/drawing/2014/main" id="{09A48E65-FDF7-42E4-A228-CDD5A05CACD9}"/>
+                <a16:creationId xmlns:a16="http://schemas.microsoft.com/office/drawing/2014/main" id="{1933F577-47C5-404C-8761-86AA45EF7836}"/>
               </a:ext>
             </a:extLst>
           </p:cNvPr>
@@ -4014,8 +4219,8 @@
         </p:blipFill>
         <p:spPr bwMode="auto">
           <a:xfrm>
-            <a:off x="6324791" y="1105455"/>
-            <a:ext cx="427293" cy="427293"/>
+            <a:off x="8509413" y="381911"/>
+            <a:ext cx="599901" cy="599901"/>
           </a:xfrm>
           <a:prstGeom prst="rect">
             <a:avLst/>
@@ -4034,10 +4239,10 @@
       </p:pic>
       <p:sp>
         <p:nvSpPr>
-          <p:cNvPr id="113" name="Rectangle: Rounded Corners 112">
+          <p:cNvPr id="118" name="Rectangle: Rounded Corners 117">
             <a:extLst>
               <a:ext uri="{FF2B5EF4-FFF2-40B4-BE49-F238E27FC236}">
-                <a16:creationId xmlns:a16="http://schemas.microsoft.com/office/drawing/2014/main" id="{6425DD11-68A9-4AB8-819C-91C6605815B8}"/>
+                <a16:creationId xmlns:a16="http://schemas.microsoft.com/office/drawing/2014/main" id="{74F2294B-B7F4-452A-AFA7-43087D511F98}"/>
               </a:ext>
             </a:extLst>
           </p:cNvPr>
@@ -4046,7 +4251,7 @@
         </p:nvSpPr>
         <p:spPr>
           <a:xfrm>
-            <a:off x="7796978" y="951128"/>
+            <a:off x="8389543" y="1307014"/>
             <a:ext cx="799558" cy="910065"/>
           </a:xfrm>
           <a:prstGeom prst="roundRect">
@@ -4091,53 +4296,12 @@
           </a:p>
         </p:txBody>
       </p:sp>
-      <p:cxnSp>
-        <p:nvCxnSpPr>
-          <p:cNvPr id="114" name="Straight Arrow Connector 113">
+      <p:sp>
+        <p:nvSpPr>
+          <p:cNvPr id="120" name="TextBox 119">
             <a:extLst>
               <a:ext uri="{FF2B5EF4-FFF2-40B4-BE49-F238E27FC236}">
-                <a16:creationId xmlns:a16="http://schemas.microsoft.com/office/drawing/2014/main" id="{F929BD24-B4E1-4044-92A5-19F877486E43}"/>
-              </a:ext>
-            </a:extLst>
-          </p:cNvPr>
-          <p:cNvCxnSpPr>
-            <a:cxnSpLocks/>
-          </p:cNvCxnSpPr>
-          <p:nvPr/>
-        </p:nvCxnSpPr>
-        <p:spPr>
-          <a:xfrm>
-            <a:off x="7191971" y="1408614"/>
-            <a:ext cx="540000" cy="0"/>
-          </a:xfrm>
-          <a:prstGeom prst="straightConnector1">
-            <a:avLst/>
-          </a:prstGeom>
-          <a:ln w="12700">
-            <a:tailEnd type="triangle"/>
-          </a:ln>
-        </p:spPr>
-        <p:style>
-          <a:lnRef idx="1">
-            <a:schemeClr val="dk1"/>
-          </a:lnRef>
-          <a:fillRef idx="0">
-            <a:schemeClr val="dk1"/>
-          </a:fillRef>
-          <a:effectRef idx="0">
-            <a:schemeClr val="dk1"/>
-          </a:effectRef>
-          <a:fontRef idx="minor">
-            <a:schemeClr val="tx1"/>
-          </a:fontRef>
-        </p:style>
-      </p:cxnSp>
-      <p:sp>
-        <p:nvSpPr>
-          <p:cNvPr id="115" name="TextBox 114">
-            <a:extLst>
-              <a:ext uri="{FF2B5EF4-FFF2-40B4-BE49-F238E27FC236}">
-                <a16:creationId xmlns:a16="http://schemas.microsoft.com/office/drawing/2014/main" id="{CBD63BF5-9164-4D51-A04B-1B7EBAAA0AD8}"/>
+                <a16:creationId xmlns:a16="http://schemas.microsoft.com/office/drawing/2014/main" id="{989D79A9-D724-4E48-8804-63B779117256}"/>
               </a:ext>
             </a:extLst>
           </p:cNvPr>
@@ -4146,8 +4310,8 @@
         </p:nvSpPr>
         <p:spPr>
           <a:xfrm>
-            <a:off x="7536475" y="602849"/>
-            <a:ext cx="1339097" cy="307777"/>
+            <a:off x="7953867" y="2187957"/>
+            <a:ext cx="1711791" cy="307777"/>
           </a:xfrm>
           <a:prstGeom prst="rect">
             <a:avLst/>
@@ -4168,7 +4332,7 @@
                 </a:solidFill>
                 <a:latin typeface="+mj-lt"/>
               </a:rPr>
-              <a:t>Embedding</a:t>
+              <a:t>Cluster evaluation</a:t>
             </a:r>
             <a:endParaRPr lang="en-NL" sz="1400" dirty="0">
               <a:solidFill>
@@ -4181,10 +4345,10 @@
       </p:sp>
       <p:sp>
         <p:nvSpPr>
-          <p:cNvPr id="116" name="TextBox 115">
+          <p:cNvPr id="121" name="TextBox 120">
             <a:extLst>
               <a:ext uri="{FF2B5EF4-FFF2-40B4-BE49-F238E27FC236}">
-                <a16:creationId xmlns:a16="http://schemas.microsoft.com/office/drawing/2014/main" id="{832A480F-1B8C-4FF2-8FCD-20B3FF833764}"/>
+                <a16:creationId xmlns:a16="http://schemas.microsoft.com/office/drawing/2014/main" id="{4F979D71-D76C-4E99-AA75-F5552EAD0292}"/>
               </a:ext>
             </a:extLst>
           </p:cNvPr>
@@ -4193,7 +4357,7 @@
         </p:nvSpPr>
         <p:spPr>
           <a:xfrm>
-            <a:off x="7838530" y="1598021"/>
+            <a:off x="8431095" y="1953907"/>
             <a:ext cx="758006" cy="246221"/>
           </a:xfrm>
           <a:prstGeom prst="rect">
@@ -4215,7 +4379,7 @@
                 </a:solidFill>
                 <a:latin typeface="+mj-lt"/>
               </a:rPr>
-              <a:t>tSNE</a:t>
+              <a:t>clusteval</a:t>
             </a:r>
             <a:endParaRPr lang="en-NL" sz="1000" dirty="0">
               <a:solidFill>
@@ -4228,10 +4392,10 @@
       </p:sp>
       <p:pic>
         <p:nvPicPr>
-          <p:cNvPr id="117" name="Picture 8" descr="Embedding Icon 3147570">
+          <p:cNvPr id="122" name="Picture 10" descr="Clustering Icon 2317743">
             <a:extLst>
               <a:ext uri="{FF2B5EF4-FFF2-40B4-BE49-F238E27FC236}">
-                <a16:creationId xmlns:a16="http://schemas.microsoft.com/office/drawing/2014/main" id="{1933F577-47C5-404C-8761-86AA45EF7836}"/>
+                <a16:creationId xmlns:a16="http://schemas.microsoft.com/office/drawing/2014/main" id="{14CFBE14-F59E-4355-B5DC-59A9E7E81945}"/>
               </a:ext>
             </a:extLst>
           </p:cNvPr>
@@ -4255,248 +4419,7 @@
         </p:blipFill>
         <p:spPr bwMode="auto">
           <a:xfrm>
-            <a:off x="7917582" y="1019150"/>
-            <a:ext cx="599901" cy="599901"/>
-          </a:xfrm>
-          <a:prstGeom prst="rect">
-            <a:avLst/>
-          </a:prstGeom>
-          <a:noFill/>
-          <a:extLst>
-            <a:ext uri="{909E8E84-426E-40DD-AFC4-6F175D3DCCD1}">
-              <a14:hiddenFill xmlns:a14="http://schemas.microsoft.com/office/drawing/2010/main">
-                <a:solidFill>
-                  <a:srgbClr val="FFFFFF"/>
-                </a:solidFill>
-              </a14:hiddenFill>
-            </a:ext>
-          </a:extLst>
-        </p:spPr>
-      </p:pic>
-      <p:sp>
-        <p:nvSpPr>
-          <p:cNvPr id="118" name="Rectangle: Rounded Corners 117">
-            <a:extLst>
-              <a:ext uri="{FF2B5EF4-FFF2-40B4-BE49-F238E27FC236}">
-                <a16:creationId xmlns:a16="http://schemas.microsoft.com/office/drawing/2014/main" id="{74F2294B-B7F4-452A-AFA7-43087D511F98}"/>
-              </a:ext>
-            </a:extLst>
-          </p:cNvPr>
-          <p:cNvSpPr/>
-          <p:nvPr/>
-        </p:nvSpPr>
-        <p:spPr>
-          <a:xfrm>
-            <a:off x="9252131" y="951128"/>
-            <a:ext cx="799558" cy="910065"/>
-          </a:xfrm>
-          <a:prstGeom prst="roundRect">
-            <a:avLst>
-              <a:gd name="adj" fmla="val 6647"/>
-            </a:avLst>
-          </a:prstGeom>
-          <a:noFill/>
-          <a:ln w="6350">
-            <a:solidFill>
-              <a:schemeClr val="tx1"/>
-            </a:solidFill>
-          </a:ln>
-        </p:spPr>
-        <p:style>
-          <a:lnRef idx="2">
-            <a:schemeClr val="accent1">
-              <a:shade val="50000"/>
-            </a:schemeClr>
-          </a:lnRef>
-          <a:fillRef idx="1">
-            <a:schemeClr val="accent1"/>
-          </a:fillRef>
-          <a:effectRef idx="0">
-            <a:schemeClr val="accent1"/>
-          </a:effectRef>
-          <a:fontRef idx="minor">
-            <a:schemeClr val="lt1"/>
-          </a:fontRef>
-        </p:style>
-        <p:txBody>
-          <a:bodyPr rtlCol="0" anchor="ctr"/>
-          <a:lstStyle/>
-          <a:p>
-            <a:pPr algn="ctr"/>
-            <a:endParaRPr lang="en-NL" sz="1400" dirty="0">
-              <a:solidFill>
-                <a:schemeClr val="tx1"/>
-              </a:solidFill>
-              <a:latin typeface="+mj-lt"/>
-            </a:endParaRPr>
-          </a:p>
-        </p:txBody>
-      </p:sp>
-      <p:cxnSp>
-        <p:nvCxnSpPr>
-          <p:cNvPr id="119" name="Straight Arrow Connector 118">
-            <a:extLst>
-              <a:ext uri="{FF2B5EF4-FFF2-40B4-BE49-F238E27FC236}">
-                <a16:creationId xmlns:a16="http://schemas.microsoft.com/office/drawing/2014/main" id="{BCF6D006-33D5-4A7D-A262-7A4CEECF3BA7}"/>
-              </a:ext>
-            </a:extLst>
-          </p:cNvPr>
-          <p:cNvCxnSpPr>
-            <a:cxnSpLocks/>
-          </p:cNvCxnSpPr>
-          <p:nvPr/>
-        </p:nvCxnSpPr>
-        <p:spPr>
-          <a:xfrm>
-            <a:off x="8647124" y="1408614"/>
-            <a:ext cx="540000" cy="0"/>
-          </a:xfrm>
-          <a:prstGeom prst="straightConnector1">
-            <a:avLst/>
-          </a:prstGeom>
-          <a:ln w="12700">
-            <a:tailEnd type="triangle"/>
-          </a:ln>
-        </p:spPr>
-        <p:style>
-          <a:lnRef idx="1">
-            <a:schemeClr val="dk1"/>
-          </a:lnRef>
-          <a:fillRef idx="0">
-            <a:schemeClr val="dk1"/>
-          </a:fillRef>
-          <a:effectRef idx="0">
-            <a:schemeClr val="dk1"/>
-          </a:effectRef>
-          <a:fontRef idx="minor">
-            <a:schemeClr val="tx1"/>
-          </a:fontRef>
-        </p:style>
-      </p:cxnSp>
-      <p:sp>
-        <p:nvSpPr>
-          <p:cNvPr id="120" name="TextBox 119">
-            <a:extLst>
-              <a:ext uri="{FF2B5EF4-FFF2-40B4-BE49-F238E27FC236}">
-                <a16:creationId xmlns:a16="http://schemas.microsoft.com/office/drawing/2014/main" id="{989D79A9-D724-4E48-8804-63B779117256}"/>
-              </a:ext>
-            </a:extLst>
-          </p:cNvPr>
-          <p:cNvSpPr txBox="1"/>
-          <p:nvPr/>
-        </p:nvSpPr>
-        <p:spPr>
-          <a:xfrm>
-            <a:off x="8810568" y="602849"/>
-            <a:ext cx="1711791" cy="307777"/>
-          </a:xfrm>
-          <a:prstGeom prst="rect">
-            <a:avLst/>
-          </a:prstGeom>
-          <a:noFill/>
-        </p:spPr>
-        <p:txBody>
-          <a:bodyPr wrap="square">
-            <a:spAutoFit/>
-          </a:bodyPr>
-          <a:lstStyle/>
-          <a:p>
-            <a:pPr algn="ctr"/>
-            <a:r>
-              <a:rPr lang="en-US" sz="1400" dirty="0">
-                <a:solidFill>
-                  <a:schemeClr val="tx1"/>
-                </a:solidFill>
-                <a:latin typeface="+mj-lt"/>
-              </a:rPr>
-              <a:t>Cluster evaluation</a:t>
-            </a:r>
-            <a:endParaRPr lang="en-NL" sz="1400" dirty="0">
-              <a:solidFill>
-                <a:schemeClr val="tx1"/>
-              </a:solidFill>
-              <a:latin typeface="+mj-lt"/>
-            </a:endParaRPr>
-          </a:p>
-        </p:txBody>
-      </p:sp>
-      <p:sp>
-        <p:nvSpPr>
-          <p:cNvPr id="121" name="TextBox 120">
-            <a:extLst>
-              <a:ext uri="{FF2B5EF4-FFF2-40B4-BE49-F238E27FC236}">
-                <a16:creationId xmlns:a16="http://schemas.microsoft.com/office/drawing/2014/main" id="{4F979D71-D76C-4E99-AA75-F5552EAD0292}"/>
-              </a:ext>
-            </a:extLst>
-          </p:cNvPr>
-          <p:cNvSpPr txBox="1"/>
-          <p:nvPr/>
-        </p:nvSpPr>
-        <p:spPr>
-          <a:xfrm>
-            <a:off x="9293683" y="1598021"/>
-            <a:ext cx="758006" cy="246221"/>
-          </a:xfrm>
-          <a:prstGeom prst="rect">
-            <a:avLst/>
-          </a:prstGeom>
-          <a:noFill/>
-        </p:spPr>
-        <p:txBody>
-          <a:bodyPr wrap="square">
-            <a:spAutoFit/>
-          </a:bodyPr>
-          <a:lstStyle/>
-          <a:p>
-            <a:pPr algn="ctr"/>
-            <a:r>
-              <a:rPr lang="en-US" sz="1000" dirty="0" err="1">
-                <a:solidFill>
-                  <a:schemeClr val="tx1"/>
-                </a:solidFill>
-                <a:latin typeface="+mj-lt"/>
-              </a:rPr>
-              <a:t>clusteval</a:t>
-            </a:r>
-            <a:endParaRPr lang="en-NL" sz="1000" dirty="0">
-              <a:solidFill>
-                <a:schemeClr val="tx1"/>
-              </a:solidFill>
-              <a:latin typeface="+mj-lt"/>
-            </a:endParaRPr>
-          </a:p>
-        </p:txBody>
-      </p:sp>
-      <p:pic>
-        <p:nvPicPr>
-          <p:cNvPr id="122" name="Picture 10" descr="Clustering Icon 2317743">
-            <a:extLst>
-              <a:ext uri="{FF2B5EF4-FFF2-40B4-BE49-F238E27FC236}">
-                <a16:creationId xmlns:a16="http://schemas.microsoft.com/office/drawing/2014/main" id="{14CFBE14-F59E-4355-B5DC-59A9E7E81945}"/>
-              </a:ext>
-            </a:extLst>
-          </p:cNvPr>
-          <p:cNvPicPr>
-            <a:picLocks noChangeAspect="1" noChangeArrowheads="1"/>
-          </p:cNvPicPr>
-          <p:nvPr/>
-        </p:nvPicPr>
-        <p:blipFill>
-          <a:blip r:embed="rId11">
-            <a:extLst>
-              <a:ext uri="{28A0092B-C50C-407E-A947-70E740481C1C}">
-                <a14:useLocalDpi xmlns:a14="http://schemas.microsoft.com/office/drawing/2010/main" val="0"/>
-              </a:ext>
-            </a:extLst>
-          </a:blip>
-          <a:srcRect/>
-          <a:stretch>
-            <a:fillRect/>
-          </a:stretch>
-        </p:blipFill>
-        <p:spPr bwMode="auto">
-          <a:xfrm>
-            <a:off x="9436879" y="1039103"/>
+            <a:off x="8574291" y="1394989"/>
             <a:ext cx="470944" cy="470944"/>
           </a:xfrm>
           <a:prstGeom prst="rect">
@@ -4529,9 +4452,9 @@
           <p:nvPr/>
         </p:nvCxnSpPr>
         <p:spPr>
-          <a:xfrm>
-            <a:off x="10120565" y="1397671"/>
-            <a:ext cx="540000" cy="0"/>
+          <a:xfrm flipV="1">
+            <a:off x="9289113" y="1449189"/>
+            <a:ext cx="545203" cy="210985"/>
           </a:xfrm>
           <a:prstGeom prst="straightConnector1">
             <a:avLst/>
@@ -4557,285 +4480,6 @@
       </p:cxnSp>
       <p:sp>
         <p:nvSpPr>
-          <p:cNvPr id="124" name="Rectangle: Rounded Corners 123">
-            <a:extLst>
-              <a:ext uri="{FF2B5EF4-FFF2-40B4-BE49-F238E27FC236}">
-                <a16:creationId xmlns:a16="http://schemas.microsoft.com/office/drawing/2014/main" id="{E3EFCF74-11BF-4B41-8030-B163374E4DBF}"/>
-              </a:ext>
-            </a:extLst>
-          </p:cNvPr>
-          <p:cNvSpPr/>
-          <p:nvPr/>
-        </p:nvSpPr>
-        <p:spPr>
-          <a:xfrm>
-            <a:off x="10767955" y="946420"/>
-            <a:ext cx="985159" cy="910065"/>
-          </a:xfrm>
-          <a:prstGeom prst="roundRect">
-            <a:avLst>
-              <a:gd name="adj" fmla="val 6647"/>
-            </a:avLst>
-          </a:prstGeom>
-          <a:noFill/>
-          <a:ln w="6350">
-            <a:solidFill>
-              <a:schemeClr val="tx1"/>
-            </a:solidFill>
-          </a:ln>
-        </p:spPr>
-        <p:style>
-          <a:lnRef idx="2">
-            <a:schemeClr val="accent1">
-              <a:shade val="50000"/>
-            </a:schemeClr>
-          </a:lnRef>
-          <a:fillRef idx="1">
-            <a:schemeClr val="accent1"/>
-          </a:fillRef>
-          <a:effectRef idx="0">
-            <a:schemeClr val="accent1"/>
-          </a:effectRef>
-          <a:fontRef idx="minor">
-            <a:schemeClr val="lt1"/>
-          </a:fontRef>
-        </p:style>
-        <p:txBody>
-          <a:bodyPr rtlCol="0" anchor="ctr"/>
-          <a:lstStyle/>
-          <a:p>
-            <a:pPr algn="ctr"/>
-            <a:endParaRPr lang="en-NL" sz="1400" dirty="0">
-              <a:solidFill>
-                <a:schemeClr val="tx1"/>
-              </a:solidFill>
-              <a:latin typeface="+mj-lt"/>
-            </a:endParaRPr>
-          </a:p>
-        </p:txBody>
-      </p:sp>
-      <p:cxnSp>
-        <p:nvCxnSpPr>
-          <p:cNvPr id="125" name="Straight Connector 124">
-            <a:extLst>
-              <a:ext uri="{FF2B5EF4-FFF2-40B4-BE49-F238E27FC236}">
-                <a16:creationId xmlns:a16="http://schemas.microsoft.com/office/drawing/2014/main" id="{3352AEED-4BAC-4509-A9C7-81942C432E2F}"/>
-              </a:ext>
-            </a:extLst>
-          </p:cNvPr>
-          <p:cNvCxnSpPr>
-            <a:cxnSpLocks/>
-          </p:cNvCxnSpPr>
-          <p:nvPr/>
-        </p:nvCxnSpPr>
-        <p:spPr>
-          <a:xfrm>
-            <a:off x="10848349" y="1028100"/>
-            <a:ext cx="0" cy="731362"/>
-          </a:xfrm>
-          <a:prstGeom prst="line">
-            <a:avLst/>
-          </a:prstGeom>
-        </p:spPr>
-        <p:style>
-          <a:lnRef idx="2">
-            <a:schemeClr val="dk1"/>
-          </a:lnRef>
-          <a:fillRef idx="0">
-            <a:schemeClr val="dk1"/>
-          </a:fillRef>
-          <a:effectRef idx="1">
-            <a:schemeClr val="dk1"/>
-          </a:effectRef>
-          <a:fontRef idx="minor">
-            <a:schemeClr val="tx1"/>
-          </a:fontRef>
-        </p:style>
-      </p:cxnSp>
-      <p:cxnSp>
-        <p:nvCxnSpPr>
-          <p:cNvPr id="126" name="Straight Connector 125">
-            <a:extLst>
-              <a:ext uri="{FF2B5EF4-FFF2-40B4-BE49-F238E27FC236}">
-                <a16:creationId xmlns:a16="http://schemas.microsoft.com/office/drawing/2014/main" id="{2F0F87AC-D466-4F7A-9B70-FA6C8C24FE26}"/>
-              </a:ext>
-            </a:extLst>
-          </p:cNvPr>
-          <p:cNvCxnSpPr>
-            <a:cxnSpLocks/>
-          </p:cNvCxnSpPr>
-          <p:nvPr/>
-        </p:nvCxnSpPr>
-        <p:spPr>
-          <a:xfrm flipH="1">
-            <a:off x="10848349" y="1759462"/>
-            <a:ext cx="791369" cy="0"/>
-          </a:xfrm>
-          <a:prstGeom prst="line">
-            <a:avLst/>
-          </a:prstGeom>
-        </p:spPr>
-        <p:style>
-          <a:lnRef idx="2">
-            <a:schemeClr val="dk1"/>
-          </a:lnRef>
-          <a:fillRef idx="0">
-            <a:schemeClr val="dk1"/>
-          </a:fillRef>
-          <a:effectRef idx="1">
-            <a:schemeClr val="dk1"/>
-          </a:effectRef>
-          <a:fontRef idx="minor">
-            <a:schemeClr val="tx1"/>
-          </a:fontRef>
-        </p:style>
-      </p:cxnSp>
-      <p:pic>
-        <p:nvPicPr>
-          <p:cNvPr id="127" name="Picture 126" descr="Diagram&#10;&#10;Description automatically generated">
-            <a:extLst>
-              <a:ext uri="{FF2B5EF4-FFF2-40B4-BE49-F238E27FC236}">
-                <a16:creationId xmlns:a16="http://schemas.microsoft.com/office/drawing/2014/main" id="{46EFB988-0E5E-4DF3-BAC2-145238F390D2}"/>
-              </a:ext>
-            </a:extLst>
-          </p:cNvPr>
-          <p:cNvPicPr>
-            <a:picLocks noChangeAspect="1"/>
-          </p:cNvPicPr>
-          <p:nvPr/>
-        </p:nvPicPr>
-        <p:blipFill>
-          <a:blip r:embed="rId12">
-            <a:extLst>
-              <a:ext uri="{28A0092B-C50C-407E-A947-70E740481C1C}">
-                <a14:useLocalDpi xmlns:a14="http://schemas.microsoft.com/office/drawing/2010/main" val="0"/>
-              </a:ext>
-            </a:extLst>
-          </a:blip>
-          <a:stretch>
-            <a:fillRect/>
-          </a:stretch>
-        </p:blipFill>
-        <p:spPr>
-          <a:xfrm>
-            <a:off x="10955740" y="1039103"/>
-            <a:ext cx="251104" cy="162381"/>
-          </a:xfrm>
-          <a:prstGeom prst="rect">
-            <a:avLst/>
-          </a:prstGeom>
-        </p:spPr>
-      </p:pic>
-      <p:pic>
-        <p:nvPicPr>
-          <p:cNvPr id="128" name="Picture 127">
-            <a:extLst>
-              <a:ext uri="{FF2B5EF4-FFF2-40B4-BE49-F238E27FC236}">
-                <a16:creationId xmlns:a16="http://schemas.microsoft.com/office/drawing/2014/main" id="{374BAFE8-5BB0-412F-A32B-2DAD826767BA}"/>
-              </a:ext>
-            </a:extLst>
-          </p:cNvPr>
-          <p:cNvPicPr>
-            <a:picLocks noChangeAspect="1"/>
-          </p:cNvPicPr>
-          <p:nvPr/>
-        </p:nvPicPr>
-        <p:blipFill>
-          <a:blip r:embed="rId5">
-            <a:extLst>
-              <a:ext uri="{28A0092B-C50C-407E-A947-70E740481C1C}">
-                <a14:useLocalDpi xmlns:a14="http://schemas.microsoft.com/office/drawing/2010/main" val="0"/>
-              </a:ext>
-            </a:extLst>
-          </a:blip>
-          <a:stretch>
-            <a:fillRect/>
-          </a:stretch>
-        </p:blipFill>
-        <p:spPr>
-          <a:xfrm>
-            <a:off x="11218682" y="962389"/>
-            <a:ext cx="191104" cy="229324"/>
-          </a:xfrm>
-          <a:prstGeom prst="rect">
-            <a:avLst/>
-          </a:prstGeom>
-        </p:spPr>
-      </p:pic>
-      <p:pic>
-        <p:nvPicPr>
-          <p:cNvPr id="129" name="Picture 128" descr="A picture containing wall, guitar&#10;&#10;Description automatically generated">
-            <a:extLst>
-              <a:ext uri="{FF2B5EF4-FFF2-40B4-BE49-F238E27FC236}">
-                <a16:creationId xmlns:a16="http://schemas.microsoft.com/office/drawing/2014/main" id="{07C67DA0-8AF4-4EA3-B7C7-729ED799DA87}"/>
-              </a:ext>
-            </a:extLst>
-          </p:cNvPr>
-          <p:cNvPicPr>
-            <a:picLocks noChangeAspect="1"/>
-          </p:cNvPicPr>
-          <p:nvPr/>
-        </p:nvPicPr>
-        <p:blipFill>
-          <a:blip r:embed="rId3">
-            <a:extLst>
-              <a:ext uri="{28A0092B-C50C-407E-A947-70E740481C1C}">
-                <a14:useLocalDpi xmlns:a14="http://schemas.microsoft.com/office/drawing/2010/main" val="0"/>
-              </a:ext>
-            </a:extLst>
-          </a:blip>
-          <a:stretch>
-            <a:fillRect/>
-          </a:stretch>
-        </p:blipFill>
-        <p:spPr>
-          <a:xfrm rot="16200000">
-            <a:off x="10925604" y="1497682"/>
-            <a:ext cx="215823" cy="161867"/>
-          </a:xfrm>
-          <a:prstGeom prst="rect">
-            <a:avLst/>
-          </a:prstGeom>
-        </p:spPr>
-      </p:pic>
-      <p:pic>
-        <p:nvPicPr>
-          <p:cNvPr id="130" name="Picture 129" descr="A picture containing accessory&#10;&#10;Description automatically generated">
-            <a:extLst>
-              <a:ext uri="{FF2B5EF4-FFF2-40B4-BE49-F238E27FC236}">
-                <a16:creationId xmlns:a16="http://schemas.microsoft.com/office/drawing/2014/main" id="{18A83566-D62D-4A09-843C-E7746BCFC9A3}"/>
-              </a:ext>
-            </a:extLst>
-          </p:cNvPr>
-          <p:cNvPicPr>
-            <a:picLocks noChangeAspect="1"/>
-          </p:cNvPicPr>
-          <p:nvPr/>
-        </p:nvPicPr>
-        <p:blipFill>
-          <a:blip r:embed="rId4">
-            <a:extLst>
-              <a:ext uri="{28A0092B-C50C-407E-A947-70E740481C1C}">
-                <a14:useLocalDpi xmlns:a14="http://schemas.microsoft.com/office/drawing/2010/main" val="0"/>
-              </a:ext>
-            </a:extLst>
-          </a:blip>
-          <a:stretch>
-            <a:fillRect/>
-          </a:stretch>
-        </p:blipFill>
-        <p:spPr>
-          <a:xfrm>
-            <a:off x="11492216" y="1224507"/>
-            <a:ext cx="217034" cy="235055"/>
-          </a:xfrm>
-          <a:prstGeom prst="rect">
-            <a:avLst/>
-          </a:prstGeom>
-        </p:spPr>
-      </p:pic>
-      <p:sp>
-        <p:nvSpPr>
           <p:cNvPr id="131" name="TextBox 130">
             <a:extLst>
               <a:ext uri="{FF2B5EF4-FFF2-40B4-BE49-F238E27FC236}">
@@ -4848,7 +4492,7 @@
         </p:nvSpPr>
         <p:spPr>
           <a:xfrm>
-            <a:off x="10495004" y="598911"/>
+            <a:off x="9701489" y="535012"/>
             <a:ext cx="1447356" cy="307777"/>
           </a:xfrm>
           <a:prstGeom prst="rect">
@@ -4881,120 +4525,456 @@
           </a:p>
         </p:txBody>
       </p:sp>
-      <p:cxnSp>
-        <p:nvCxnSpPr>
-          <p:cNvPr id="132" name="Straight Connector 131">
+      <p:grpSp>
+        <p:nvGrpSpPr>
+          <p:cNvPr id="4" name="Group 3">
             <a:extLst>
               <a:ext uri="{FF2B5EF4-FFF2-40B4-BE49-F238E27FC236}">
-                <a16:creationId xmlns:a16="http://schemas.microsoft.com/office/drawing/2014/main" id="{E53E59F4-1609-4BBC-BCC2-AA61E1AE477E}"/>
+                <a16:creationId xmlns:a16="http://schemas.microsoft.com/office/drawing/2014/main" id="{CE259433-56BB-41AC-BAAE-1C7D8F3F1390}"/>
               </a:ext>
             </a:extLst>
           </p:cNvPr>
-          <p:cNvCxnSpPr>
-            <a:cxnSpLocks/>
-          </p:cNvCxnSpPr>
+          <p:cNvGrpSpPr/>
           <p:nvPr/>
-        </p:nvCxnSpPr>
-        <p:spPr>
-          <a:xfrm>
-            <a:off x="10952582" y="1274575"/>
-            <a:ext cx="307952" cy="93351"/>
-          </a:xfrm>
-          <a:prstGeom prst="line">
-            <a:avLst/>
-          </a:prstGeom>
-        </p:spPr>
-        <p:style>
-          <a:lnRef idx="1">
-            <a:schemeClr val="dk1"/>
-          </a:lnRef>
-          <a:fillRef idx="0">
-            <a:schemeClr val="dk1"/>
-          </a:fillRef>
-          <a:effectRef idx="0">
-            <a:schemeClr val="dk1"/>
-          </a:effectRef>
-          <a:fontRef idx="minor">
-            <a:schemeClr val="tx1"/>
-          </a:fontRef>
-        </p:style>
-      </p:cxnSp>
-      <p:cxnSp>
-        <p:nvCxnSpPr>
-          <p:cNvPr id="133" name="Straight Connector 132">
-            <a:extLst>
-              <a:ext uri="{FF2B5EF4-FFF2-40B4-BE49-F238E27FC236}">
-                <a16:creationId xmlns:a16="http://schemas.microsoft.com/office/drawing/2014/main" id="{263A1419-A099-4490-AF43-EF33D0DB4BDD}"/>
-              </a:ext>
-            </a:extLst>
-          </p:cNvPr>
-          <p:cNvCxnSpPr>
-            <a:cxnSpLocks/>
-          </p:cNvCxnSpPr>
-          <p:nvPr/>
-        </p:nvCxnSpPr>
-        <p:spPr>
-          <a:xfrm flipV="1">
-            <a:off x="11260534" y="1088957"/>
-            <a:ext cx="315492" cy="278969"/>
-          </a:xfrm>
-          <a:prstGeom prst="line">
-            <a:avLst/>
-          </a:prstGeom>
-        </p:spPr>
-        <p:style>
-          <a:lnRef idx="1">
-            <a:schemeClr val="dk1"/>
-          </a:lnRef>
-          <a:fillRef idx="0">
-            <a:schemeClr val="dk1"/>
-          </a:fillRef>
-          <a:effectRef idx="0">
-            <a:schemeClr val="dk1"/>
-          </a:effectRef>
-          <a:fontRef idx="minor">
-            <a:schemeClr val="tx1"/>
-          </a:fontRef>
-        </p:style>
-      </p:cxnSp>
-      <p:cxnSp>
-        <p:nvCxnSpPr>
-          <p:cNvPr id="134" name="Straight Connector 133">
-            <a:extLst>
-              <a:ext uri="{FF2B5EF4-FFF2-40B4-BE49-F238E27FC236}">
-                <a16:creationId xmlns:a16="http://schemas.microsoft.com/office/drawing/2014/main" id="{BCA6B33F-4400-4E07-9E22-6955993C9D1C}"/>
-              </a:ext>
-            </a:extLst>
-          </p:cNvPr>
-          <p:cNvCxnSpPr>
-            <a:cxnSpLocks/>
-          </p:cNvCxnSpPr>
-          <p:nvPr/>
-        </p:nvCxnSpPr>
-        <p:spPr>
-          <a:xfrm>
-            <a:off x="11269056" y="1367926"/>
-            <a:ext cx="223160" cy="278087"/>
-          </a:xfrm>
-          <a:prstGeom prst="line">
-            <a:avLst/>
-          </a:prstGeom>
-        </p:spPr>
-        <p:style>
-          <a:lnRef idx="1">
-            <a:schemeClr val="dk1"/>
-          </a:lnRef>
-          <a:fillRef idx="0">
-            <a:schemeClr val="dk1"/>
-          </a:fillRef>
-          <a:effectRef idx="0">
-            <a:schemeClr val="dk1"/>
-          </a:effectRef>
-          <a:fontRef idx="minor">
-            <a:schemeClr val="tx1"/>
-          </a:fontRef>
-        </p:style>
-      </p:cxnSp>
+        </p:nvGrpSpPr>
+        <p:grpSpPr>
+          <a:xfrm>
+            <a:off x="9974440" y="880552"/>
+            <a:ext cx="985159" cy="910065"/>
+            <a:chOff x="10767955" y="946420"/>
+            <a:chExt cx="985159" cy="910065"/>
+          </a:xfrm>
+        </p:grpSpPr>
+        <p:pic>
+          <p:nvPicPr>
+            <p:cNvPr id="89" name="Picture 88" descr="A picture containing music, guitar, building material, bass&#10;&#10;Description automatically generated">
+              <a:extLst>
+                <a:ext uri="{FF2B5EF4-FFF2-40B4-BE49-F238E27FC236}">
+                  <a16:creationId xmlns:a16="http://schemas.microsoft.com/office/drawing/2014/main" id="{C0BAB75A-28E7-46DB-9C0F-23045E3F81D3}"/>
+                </a:ext>
+              </a:extLst>
+            </p:cNvPr>
+            <p:cNvPicPr>
+              <a:picLocks noChangeAspect="1"/>
+            </p:cNvPicPr>
+            <p:nvPr/>
+          </p:nvPicPr>
+          <p:blipFill>
+            <a:blip r:embed="rId11">
+              <a:extLst>
+                <a:ext uri="{28A0092B-C50C-407E-A947-70E740481C1C}">
+                  <a14:useLocalDpi xmlns:a14="http://schemas.microsoft.com/office/drawing/2010/main" val="0"/>
+                </a:ext>
+              </a:extLst>
+            </a:blip>
+            <a:stretch>
+              <a:fillRect/>
+            </a:stretch>
+          </p:blipFill>
+          <p:spPr>
+            <a:xfrm rot="12529207">
+              <a:off x="11057865" y="1426479"/>
+              <a:ext cx="262974" cy="235800"/>
+            </a:xfrm>
+            <a:prstGeom prst="rect">
+              <a:avLst/>
+            </a:prstGeom>
+          </p:spPr>
+        </p:pic>
+        <p:sp>
+          <p:nvSpPr>
+            <p:cNvPr id="124" name="Rectangle: Rounded Corners 123">
+              <a:extLst>
+                <a:ext uri="{FF2B5EF4-FFF2-40B4-BE49-F238E27FC236}">
+                  <a16:creationId xmlns:a16="http://schemas.microsoft.com/office/drawing/2014/main" id="{E3EFCF74-11BF-4B41-8030-B163374E4DBF}"/>
+                </a:ext>
+              </a:extLst>
+            </p:cNvPr>
+            <p:cNvSpPr/>
+            <p:nvPr/>
+          </p:nvSpPr>
+          <p:spPr>
+            <a:xfrm>
+              <a:off x="10767955" y="946420"/>
+              <a:ext cx="985159" cy="910065"/>
+            </a:xfrm>
+            <a:prstGeom prst="roundRect">
+              <a:avLst>
+                <a:gd name="adj" fmla="val 6647"/>
+              </a:avLst>
+            </a:prstGeom>
+            <a:noFill/>
+            <a:ln w="6350">
+              <a:solidFill>
+                <a:schemeClr val="tx1"/>
+              </a:solidFill>
+            </a:ln>
+          </p:spPr>
+          <p:style>
+            <a:lnRef idx="2">
+              <a:schemeClr val="accent1">
+                <a:shade val="50000"/>
+              </a:schemeClr>
+            </a:lnRef>
+            <a:fillRef idx="1">
+              <a:schemeClr val="accent1"/>
+            </a:fillRef>
+            <a:effectRef idx="0">
+              <a:schemeClr val="accent1"/>
+            </a:effectRef>
+            <a:fontRef idx="minor">
+              <a:schemeClr val="lt1"/>
+            </a:fontRef>
+          </p:style>
+          <p:txBody>
+            <a:bodyPr rtlCol="0" anchor="ctr"/>
+            <a:lstStyle/>
+            <a:p>
+              <a:pPr algn="ctr"/>
+              <a:endParaRPr lang="en-NL" sz="1400" dirty="0">
+                <a:solidFill>
+                  <a:schemeClr val="tx1"/>
+                </a:solidFill>
+                <a:latin typeface="+mj-lt"/>
+              </a:endParaRPr>
+            </a:p>
+          </p:txBody>
+        </p:sp>
+        <p:cxnSp>
+          <p:nvCxnSpPr>
+            <p:cNvPr id="125" name="Straight Connector 124">
+              <a:extLst>
+                <a:ext uri="{FF2B5EF4-FFF2-40B4-BE49-F238E27FC236}">
+                  <a16:creationId xmlns:a16="http://schemas.microsoft.com/office/drawing/2014/main" id="{3352AEED-4BAC-4509-A9C7-81942C432E2F}"/>
+                </a:ext>
+              </a:extLst>
+            </p:cNvPr>
+            <p:cNvCxnSpPr>
+              <a:cxnSpLocks/>
+            </p:cNvCxnSpPr>
+            <p:nvPr/>
+          </p:nvCxnSpPr>
+          <p:spPr>
+            <a:xfrm>
+              <a:off x="10848349" y="1028100"/>
+              <a:ext cx="0" cy="731362"/>
+            </a:xfrm>
+            <a:prstGeom prst="line">
+              <a:avLst/>
+            </a:prstGeom>
+          </p:spPr>
+          <p:style>
+            <a:lnRef idx="2">
+              <a:schemeClr val="dk1"/>
+            </a:lnRef>
+            <a:fillRef idx="0">
+              <a:schemeClr val="dk1"/>
+            </a:fillRef>
+            <a:effectRef idx="1">
+              <a:schemeClr val="dk1"/>
+            </a:effectRef>
+            <a:fontRef idx="minor">
+              <a:schemeClr val="tx1"/>
+            </a:fontRef>
+          </p:style>
+        </p:cxnSp>
+        <p:cxnSp>
+          <p:nvCxnSpPr>
+            <p:cNvPr id="126" name="Straight Connector 125">
+              <a:extLst>
+                <a:ext uri="{FF2B5EF4-FFF2-40B4-BE49-F238E27FC236}">
+                  <a16:creationId xmlns:a16="http://schemas.microsoft.com/office/drawing/2014/main" id="{2F0F87AC-D466-4F7A-9B70-FA6C8C24FE26}"/>
+                </a:ext>
+              </a:extLst>
+            </p:cNvPr>
+            <p:cNvCxnSpPr>
+              <a:cxnSpLocks/>
+            </p:cNvCxnSpPr>
+            <p:nvPr/>
+          </p:nvCxnSpPr>
+          <p:spPr>
+            <a:xfrm flipH="1">
+              <a:off x="10848349" y="1759462"/>
+              <a:ext cx="791369" cy="0"/>
+            </a:xfrm>
+            <a:prstGeom prst="line">
+              <a:avLst/>
+            </a:prstGeom>
+          </p:spPr>
+          <p:style>
+            <a:lnRef idx="2">
+              <a:schemeClr val="dk1"/>
+            </a:lnRef>
+            <a:fillRef idx="0">
+              <a:schemeClr val="dk1"/>
+            </a:fillRef>
+            <a:effectRef idx="1">
+              <a:schemeClr val="dk1"/>
+            </a:effectRef>
+            <a:fontRef idx="minor">
+              <a:schemeClr val="tx1"/>
+            </a:fontRef>
+          </p:style>
+        </p:cxnSp>
+        <p:pic>
+          <p:nvPicPr>
+            <p:cNvPr id="127" name="Picture 126" descr="Diagram&#10;&#10;Description automatically generated">
+              <a:extLst>
+                <a:ext uri="{FF2B5EF4-FFF2-40B4-BE49-F238E27FC236}">
+                  <a16:creationId xmlns:a16="http://schemas.microsoft.com/office/drawing/2014/main" id="{46EFB988-0E5E-4DF3-BAC2-145238F390D2}"/>
+                </a:ext>
+              </a:extLst>
+            </p:cNvPr>
+            <p:cNvPicPr>
+              <a:picLocks noChangeAspect="1"/>
+            </p:cNvPicPr>
+            <p:nvPr/>
+          </p:nvPicPr>
+          <p:blipFill>
+            <a:blip r:embed="rId12">
+              <a:extLst>
+                <a:ext uri="{28A0092B-C50C-407E-A947-70E740481C1C}">
+                  <a14:useLocalDpi xmlns:a14="http://schemas.microsoft.com/office/drawing/2010/main" val="0"/>
+                </a:ext>
+              </a:extLst>
+            </a:blip>
+            <a:stretch>
+              <a:fillRect/>
+            </a:stretch>
+          </p:blipFill>
+          <p:spPr>
+            <a:xfrm>
+              <a:off x="10955740" y="1039103"/>
+              <a:ext cx="251104" cy="162381"/>
+            </a:xfrm>
+            <a:prstGeom prst="rect">
+              <a:avLst/>
+            </a:prstGeom>
+          </p:spPr>
+        </p:pic>
+        <p:pic>
+          <p:nvPicPr>
+            <p:cNvPr id="128" name="Picture 127">
+              <a:extLst>
+                <a:ext uri="{FF2B5EF4-FFF2-40B4-BE49-F238E27FC236}">
+                  <a16:creationId xmlns:a16="http://schemas.microsoft.com/office/drawing/2014/main" id="{374BAFE8-5BB0-412F-A32B-2DAD826767BA}"/>
+                </a:ext>
+              </a:extLst>
+            </p:cNvPr>
+            <p:cNvPicPr>
+              <a:picLocks noChangeAspect="1"/>
+            </p:cNvPicPr>
+            <p:nvPr/>
+          </p:nvPicPr>
+          <p:blipFill>
+            <a:blip r:embed="rId4">
+              <a:extLst>
+                <a:ext uri="{28A0092B-C50C-407E-A947-70E740481C1C}">
+                  <a14:useLocalDpi xmlns:a14="http://schemas.microsoft.com/office/drawing/2010/main" val="0"/>
+                </a:ext>
+              </a:extLst>
+            </a:blip>
+            <a:stretch>
+              <a:fillRect/>
+            </a:stretch>
+          </p:blipFill>
+          <p:spPr>
+            <a:xfrm>
+              <a:off x="11218682" y="962389"/>
+              <a:ext cx="191104" cy="229324"/>
+            </a:xfrm>
+            <a:prstGeom prst="rect">
+              <a:avLst/>
+            </a:prstGeom>
+          </p:spPr>
+        </p:pic>
+        <p:pic>
+          <p:nvPicPr>
+            <p:cNvPr id="129" name="Picture 128" descr="A picture containing wall, guitar&#10;&#10;Description automatically generated">
+              <a:extLst>
+                <a:ext uri="{FF2B5EF4-FFF2-40B4-BE49-F238E27FC236}">
+                  <a16:creationId xmlns:a16="http://schemas.microsoft.com/office/drawing/2014/main" id="{07C67DA0-8AF4-4EA3-B7C7-729ED799DA87}"/>
+                </a:ext>
+              </a:extLst>
+            </p:cNvPr>
+            <p:cNvPicPr>
+              <a:picLocks noChangeAspect="1"/>
+            </p:cNvPicPr>
+            <p:nvPr/>
+          </p:nvPicPr>
+          <p:blipFill>
+            <a:blip r:embed="rId2">
+              <a:extLst>
+                <a:ext uri="{28A0092B-C50C-407E-A947-70E740481C1C}">
+                  <a14:useLocalDpi xmlns:a14="http://schemas.microsoft.com/office/drawing/2010/main" val="0"/>
+                </a:ext>
+              </a:extLst>
+            </a:blip>
+            <a:stretch>
+              <a:fillRect/>
+            </a:stretch>
+          </p:blipFill>
+          <p:spPr>
+            <a:xfrm rot="16200000">
+              <a:off x="10925604" y="1497682"/>
+              <a:ext cx="215823" cy="161867"/>
+            </a:xfrm>
+            <a:prstGeom prst="rect">
+              <a:avLst/>
+            </a:prstGeom>
+          </p:spPr>
+        </p:pic>
+        <p:pic>
+          <p:nvPicPr>
+            <p:cNvPr id="130" name="Picture 129" descr="A picture containing accessory&#10;&#10;Description automatically generated">
+              <a:extLst>
+                <a:ext uri="{FF2B5EF4-FFF2-40B4-BE49-F238E27FC236}">
+                  <a16:creationId xmlns:a16="http://schemas.microsoft.com/office/drawing/2014/main" id="{18A83566-D62D-4A09-843C-E7746BCFC9A3}"/>
+                </a:ext>
+              </a:extLst>
+            </p:cNvPr>
+            <p:cNvPicPr>
+              <a:picLocks noChangeAspect="1"/>
+            </p:cNvPicPr>
+            <p:nvPr/>
+          </p:nvPicPr>
+          <p:blipFill>
+            <a:blip r:embed="rId3">
+              <a:extLst>
+                <a:ext uri="{28A0092B-C50C-407E-A947-70E740481C1C}">
+                  <a14:useLocalDpi xmlns:a14="http://schemas.microsoft.com/office/drawing/2010/main" val="0"/>
+                </a:ext>
+              </a:extLst>
+            </a:blip>
+            <a:stretch>
+              <a:fillRect/>
+            </a:stretch>
+          </p:blipFill>
+          <p:spPr>
+            <a:xfrm>
+              <a:off x="11492216" y="1224507"/>
+              <a:ext cx="217034" cy="235055"/>
+            </a:xfrm>
+            <a:prstGeom prst="rect">
+              <a:avLst/>
+            </a:prstGeom>
+          </p:spPr>
+        </p:pic>
+        <p:cxnSp>
+          <p:nvCxnSpPr>
+            <p:cNvPr id="132" name="Straight Connector 131">
+              <a:extLst>
+                <a:ext uri="{FF2B5EF4-FFF2-40B4-BE49-F238E27FC236}">
+                  <a16:creationId xmlns:a16="http://schemas.microsoft.com/office/drawing/2014/main" id="{E53E59F4-1609-4BBC-BCC2-AA61E1AE477E}"/>
+                </a:ext>
+              </a:extLst>
+            </p:cNvPr>
+            <p:cNvCxnSpPr>
+              <a:cxnSpLocks/>
+            </p:cNvCxnSpPr>
+            <p:nvPr/>
+          </p:nvCxnSpPr>
+          <p:spPr>
+            <a:xfrm>
+              <a:off x="10952582" y="1274575"/>
+              <a:ext cx="307952" cy="93351"/>
+            </a:xfrm>
+            <a:prstGeom prst="line">
+              <a:avLst/>
+            </a:prstGeom>
+          </p:spPr>
+          <p:style>
+            <a:lnRef idx="1">
+              <a:schemeClr val="dk1"/>
+            </a:lnRef>
+            <a:fillRef idx="0">
+              <a:schemeClr val="dk1"/>
+            </a:fillRef>
+            <a:effectRef idx="0">
+              <a:schemeClr val="dk1"/>
+            </a:effectRef>
+            <a:fontRef idx="minor">
+              <a:schemeClr val="tx1"/>
+            </a:fontRef>
+          </p:style>
+        </p:cxnSp>
+        <p:cxnSp>
+          <p:nvCxnSpPr>
+            <p:cNvPr id="133" name="Straight Connector 132">
+              <a:extLst>
+                <a:ext uri="{FF2B5EF4-FFF2-40B4-BE49-F238E27FC236}">
+                  <a16:creationId xmlns:a16="http://schemas.microsoft.com/office/drawing/2014/main" id="{263A1419-A099-4490-AF43-EF33D0DB4BDD}"/>
+                </a:ext>
+              </a:extLst>
+            </p:cNvPr>
+            <p:cNvCxnSpPr>
+              <a:cxnSpLocks/>
+            </p:cNvCxnSpPr>
+            <p:nvPr/>
+          </p:nvCxnSpPr>
+          <p:spPr>
+            <a:xfrm flipV="1">
+              <a:off x="11260534" y="1088957"/>
+              <a:ext cx="315492" cy="278969"/>
+            </a:xfrm>
+            <a:prstGeom prst="line">
+              <a:avLst/>
+            </a:prstGeom>
+          </p:spPr>
+          <p:style>
+            <a:lnRef idx="1">
+              <a:schemeClr val="dk1"/>
+            </a:lnRef>
+            <a:fillRef idx="0">
+              <a:schemeClr val="dk1"/>
+            </a:fillRef>
+            <a:effectRef idx="0">
+              <a:schemeClr val="dk1"/>
+            </a:effectRef>
+            <a:fontRef idx="minor">
+              <a:schemeClr val="tx1"/>
+            </a:fontRef>
+          </p:style>
+        </p:cxnSp>
+        <p:cxnSp>
+          <p:nvCxnSpPr>
+            <p:cNvPr id="134" name="Straight Connector 133">
+              <a:extLst>
+                <a:ext uri="{FF2B5EF4-FFF2-40B4-BE49-F238E27FC236}">
+                  <a16:creationId xmlns:a16="http://schemas.microsoft.com/office/drawing/2014/main" id="{BCA6B33F-4400-4E07-9E22-6955993C9D1C}"/>
+                </a:ext>
+              </a:extLst>
+            </p:cNvPr>
+            <p:cNvCxnSpPr>
+              <a:cxnSpLocks/>
+            </p:cNvCxnSpPr>
+            <p:nvPr/>
+          </p:nvCxnSpPr>
+          <p:spPr>
+            <a:xfrm>
+              <a:off x="11269056" y="1367926"/>
+              <a:ext cx="223160" cy="278087"/>
+            </a:xfrm>
+            <a:prstGeom prst="line">
+              <a:avLst/>
+            </a:prstGeom>
+          </p:spPr>
+          <p:style>
+            <a:lnRef idx="1">
+              <a:schemeClr val="dk1"/>
+            </a:lnRef>
+            <a:fillRef idx="0">
+              <a:schemeClr val="dk1"/>
+            </a:fillRef>
+            <a:effectRef idx="0">
+              <a:schemeClr val="dk1"/>
+            </a:effectRef>
+            <a:fontRef idx="minor">
+              <a:schemeClr val="tx1"/>
+            </a:fontRef>
+          </p:style>
+        </p:cxnSp>
+      </p:grpSp>
       <p:pic>
         <p:nvPicPr>
           <p:cNvPr id="1026" name="Picture 2" descr="color wheel Icon 175896">
@@ -5024,7 +5004,7 @@
         </p:blipFill>
         <p:spPr bwMode="auto">
           <a:xfrm>
-            <a:off x="3132220" y="1123595"/>
+            <a:off x="3635915" y="1057727"/>
             <a:ext cx="455020" cy="455020"/>
           </a:xfrm>
           <a:prstGeom prst="rect">
@@ -5056,7 +5036,7 @@
         </p:nvSpPr>
         <p:spPr>
           <a:xfrm>
-            <a:off x="2959309" y="1587950"/>
+            <a:off x="3463004" y="1522082"/>
             <a:ext cx="758006" cy="246221"/>
           </a:xfrm>
           <a:prstGeom prst="rect">
@@ -5089,6 +5069,88 @@
           </a:p>
         </p:txBody>
       </p:sp>
+      <p:cxnSp>
+        <p:nvCxnSpPr>
+          <p:cNvPr id="58" name="Straight Arrow Connector 57">
+            <a:extLst>
+              <a:ext uri="{FF2B5EF4-FFF2-40B4-BE49-F238E27FC236}">
+                <a16:creationId xmlns:a16="http://schemas.microsoft.com/office/drawing/2014/main" id="{6DD9A8BC-5D8F-419E-8283-7F92C6B53566}"/>
+              </a:ext>
+            </a:extLst>
+          </p:cNvPr>
+          <p:cNvCxnSpPr>
+            <a:cxnSpLocks/>
+          </p:cNvCxnSpPr>
+          <p:nvPr/>
+        </p:nvCxnSpPr>
+        <p:spPr>
+          <a:xfrm>
+            <a:off x="9290953" y="988209"/>
+            <a:ext cx="542946" cy="235745"/>
+          </a:xfrm>
+          <a:prstGeom prst="straightConnector1">
+            <a:avLst/>
+          </a:prstGeom>
+          <a:ln w="12700">
+            <a:tailEnd type="triangle"/>
+          </a:ln>
+        </p:spPr>
+        <p:style>
+          <a:lnRef idx="1">
+            <a:schemeClr val="dk1"/>
+          </a:lnRef>
+          <a:fillRef idx="0">
+            <a:schemeClr val="dk1"/>
+          </a:fillRef>
+          <a:effectRef idx="0">
+            <a:schemeClr val="dk1"/>
+          </a:effectRef>
+          <a:fontRef idx="minor">
+            <a:schemeClr val="tx1"/>
+          </a:fontRef>
+        </p:style>
+      </p:cxnSp>
+      <p:cxnSp>
+        <p:nvCxnSpPr>
+          <p:cNvPr id="64" name="Straight Arrow Connector 63">
+            <a:extLst>
+              <a:ext uri="{FF2B5EF4-FFF2-40B4-BE49-F238E27FC236}">
+                <a16:creationId xmlns:a16="http://schemas.microsoft.com/office/drawing/2014/main" id="{F23BE3EB-D230-4CCB-9932-AC0604B7CD4C}"/>
+              </a:ext>
+            </a:extLst>
+          </p:cNvPr>
+          <p:cNvCxnSpPr>
+            <a:cxnSpLocks/>
+          </p:cNvCxnSpPr>
+          <p:nvPr/>
+        </p:nvCxnSpPr>
+        <p:spPr>
+          <a:xfrm flipV="1">
+            <a:off x="7730539" y="933806"/>
+            <a:ext cx="551614" cy="351431"/>
+          </a:xfrm>
+          <a:prstGeom prst="straightConnector1">
+            <a:avLst/>
+          </a:prstGeom>
+          <a:ln w="12700">
+            <a:tailEnd type="triangle"/>
+          </a:ln>
+        </p:spPr>
+        <p:style>
+          <a:lnRef idx="1">
+            <a:schemeClr val="dk1"/>
+          </a:lnRef>
+          <a:fillRef idx="0">
+            <a:schemeClr val="dk1"/>
+          </a:fillRef>
+          <a:effectRef idx="0">
+            <a:schemeClr val="dk1"/>
+          </a:effectRef>
+          <a:fontRef idx="minor">
+            <a:schemeClr val="tx1"/>
+          </a:fontRef>
+        </p:style>
+      </p:cxnSp>
     </p:spTree>
     <p:extLst>
       <p:ext uri="{BB962C8B-B14F-4D97-AF65-F5344CB8AC3E}">

--- a/docs/figs/schematic_overview.pptx
+++ b/docs/figs/schematic_overview.pptx
@@ -3316,7 +3316,7 @@
         </p:nvSpPr>
         <p:spPr>
           <a:xfrm>
-            <a:off x="1057978" y="130199"/>
+            <a:off x="1044144" y="124662"/>
             <a:ext cx="805990" cy="307777"/>
           </a:xfrm>
           <a:prstGeom prst="rect">
@@ -3398,7 +3398,7 @@
         <p:spPr>
           <a:xfrm>
             <a:off x="638312" y="2203301"/>
-            <a:ext cx="1645322" cy="307777"/>
+            <a:ext cx="1863587" cy="307777"/>
           </a:xfrm>
           <a:prstGeom prst="rect">
             <a:avLst/>
@@ -3415,7 +3415,7 @@
               <a:rPr lang="en-US" sz="1400" dirty="0">
                 <a:latin typeface="+mj-lt"/>
               </a:rPr>
-              <a:t>Path to file locations</a:t>
+              <a:t>Path to image locations</a:t>
             </a:r>
             <a:endParaRPr lang="en-NL" sz="1400" dirty="0">
               <a:latin typeface="+mj-lt"/>

--- a/docs/figs/schematic_overview.pptx
+++ b/docs/figs/schematic_overview.pptx
@@ -243,7 +243,7 @@
           <a:p>
             <a:fld id="{4500DDF9-37A4-4EF1-9D2B-9606A59C7AB2}" type="datetimeFigureOut">
               <a:rPr lang="en-NL" smtClean="0"/>
-              <a:t>14/11/2021</a:t>
+              <a:t>23/11/2021</a:t>
             </a:fld>
             <a:endParaRPr lang="en-NL"/>
           </a:p>
@@ -413,7 +413,7 @@
           <a:p>
             <a:fld id="{4500DDF9-37A4-4EF1-9D2B-9606A59C7AB2}" type="datetimeFigureOut">
               <a:rPr lang="en-NL" smtClean="0"/>
-              <a:t>14/11/2021</a:t>
+              <a:t>23/11/2021</a:t>
             </a:fld>
             <a:endParaRPr lang="en-NL"/>
           </a:p>
@@ -593,7 +593,7 @@
           <a:p>
             <a:fld id="{4500DDF9-37A4-4EF1-9D2B-9606A59C7AB2}" type="datetimeFigureOut">
               <a:rPr lang="en-NL" smtClean="0"/>
-              <a:t>14/11/2021</a:t>
+              <a:t>23/11/2021</a:t>
             </a:fld>
             <a:endParaRPr lang="en-NL"/>
           </a:p>
@@ -763,7 +763,7 @@
           <a:p>
             <a:fld id="{4500DDF9-37A4-4EF1-9D2B-9606A59C7AB2}" type="datetimeFigureOut">
               <a:rPr lang="en-NL" smtClean="0"/>
-              <a:t>14/11/2021</a:t>
+              <a:t>23/11/2021</a:t>
             </a:fld>
             <a:endParaRPr lang="en-NL"/>
           </a:p>
@@ -1009,7 +1009,7 @@
           <a:p>
             <a:fld id="{4500DDF9-37A4-4EF1-9D2B-9606A59C7AB2}" type="datetimeFigureOut">
               <a:rPr lang="en-NL" smtClean="0"/>
-              <a:t>14/11/2021</a:t>
+              <a:t>23/11/2021</a:t>
             </a:fld>
             <a:endParaRPr lang="en-NL"/>
           </a:p>
@@ -1241,7 +1241,7 @@
           <a:p>
             <a:fld id="{4500DDF9-37A4-4EF1-9D2B-9606A59C7AB2}" type="datetimeFigureOut">
               <a:rPr lang="en-NL" smtClean="0"/>
-              <a:t>14/11/2021</a:t>
+              <a:t>23/11/2021</a:t>
             </a:fld>
             <a:endParaRPr lang="en-NL"/>
           </a:p>
@@ -1608,7 +1608,7 @@
           <a:p>
             <a:fld id="{4500DDF9-37A4-4EF1-9D2B-9606A59C7AB2}" type="datetimeFigureOut">
               <a:rPr lang="en-NL" smtClean="0"/>
-              <a:t>14/11/2021</a:t>
+              <a:t>23/11/2021</a:t>
             </a:fld>
             <a:endParaRPr lang="en-NL"/>
           </a:p>
@@ -1726,7 +1726,7 @@
           <a:p>
             <a:fld id="{4500DDF9-37A4-4EF1-9D2B-9606A59C7AB2}" type="datetimeFigureOut">
               <a:rPr lang="en-NL" smtClean="0"/>
-              <a:t>14/11/2021</a:t>
+              <a:t>23/11/2021</a:t>
             </a:fld>
             <a:endParaRPr lang="en-NL"/>
           </a:p>
@@ -1821,7 +1821,7 @@
           <a:p>
             <a:fld id="{4500DDF9-37A4-4EF1-9D2B-9606A59C7AB2}" type="datetimeFigureOut">
               <a:rPr lang="en-NL" smtClean="0"/>
-              <a:t>14/11/2021</a:t>
+              <a:t>23/11/2021</a:t>
             </a:fld>
             <a:endParaRPr lang="en-NL"/>
           </a:p>
@@ -2098,7 +2098,7 @@
           <a:p>
             <a:fld id="{4500DDF9-37A4-4EF1-9D2B-9606A59C7AB2}" type="datetimeFigureOut">
               <a:rPr lang="en-NL" smtClean="0"/>
-              <a:t>14/11/2021</a:t>
+              <a:t>23/11/2021</a:t>
             </a:fld>
             <a:endParaRPr lang="en-NL"/>
           </a:p>
@@ -2355,7 +2355,7 @@
           <a:p>
             <a:fld id="{4500DDF9-37A4-4EF1-9D2B-9606A59C7AB2}" type="datetimeFigureOut">
               <a:rPr lang="en-NL" smtClean="0"/>
-              <a:t>14/11/2021</a:t>
+              <a:t>23/11/2021</a:t>
             </a:fld>
             <a:endParaRPr lang="en-NL"/>
           </a:p>
@@ -2568,7 +2568,7 @@
           <a:p>
             <a:fld id="{4500DDF9-37A4-4EF1-9D2B-9606A59C7AB2}" type="datetimeFigureOut">
               <a:rPr lang="en-NL" smtClean="0"/>
-              <a:t>14/11/2021</a:t>
+              <a:t>23/11/2021</a:t>
             </a:fld>
             <a:endParaRPr lang="en-NL"/>
           </a:p>
@@ -3317,7 +3317,7 @@
         <p:spPr>
           <a:xfrm>
             <a:off x="1044144" y="124662"/>
-            <a:ext cx="805990" cy="307777"/>
+            <a:ext cx="908454" cy="307777"/>
           </a:xfrm>
           <a:prstGeom prst="rect">
             <a:avLst/>
@@ -3334,7 +3334,7 @@
               <a:rPr lang="en-US" sz="1400" dirty="0">
                 <a:latin typeface="+mj-lt"/>
               </a:rPr>
-              <a:t>2D-array</a:t>
+              <a:t>RGB-array</a:t>
             </a:r>
             <a:endParaRPr lang="en-NL" sz="1400" dirty="0">
               <a:latin typeface="+mj-lt"/>

--- a/docs/figs/schematic_overview.pptx
+++ b/docs/figs/schematic_overview.pptx
@@ -243,7 +243,7 @@
           <a:p>
             <a:fld id="{4500DDF9-37A4-4EF1-9D2B-9606A59C7AB2}" type="datetimeFigureOut">
               <a:rPr lang="en-NL" smtClean="0"/>
-              <a:t>23/11/2021</a:t>
+              <a:t>07/12/2021</a:t>
             </a:fld>
             <a:endParaRPr lang="en-NL"/>
           </a:p>
@@ -413,7 +413,7 @@
           <a:p>
             <a:fld id="{4500DDF9-37A4-4EF1-9D2B-9606A59C7AB2}" type="datetimeFigureOut">
               <a:rPr lang="en-NL" smtClean="0"/>
-              <a:t>23/11/2021</a:t>
+              <a:t>07/12/2021</a:t>
             </a:fld>
             <a:endParaRPr lang="en-NL"/>
           </a:p>
@@ -593,7 +593,7 @@
           <a:p>
             <a:fld id="{4500DDF9-37A4-4EF1-9D2B-9606A59C7AB2}" type="datetimeFigureOut">
               <a:rPr lang="en-NL" smtClean="0"/>
-              <a:t>23/11/2021</a:t>
+              <a:t>07/12/2021</a:t>
             </a:fld>
             <a:endParaRPr lang="en-NL"/>
           </a:p>
@@ -763,7 +763,7 @@
           <a:p>
             <a:fld id="{4500DDF9-37A4-4EF1-9D2B-9606A59C7AB2}" type="datetimeFigureOut">
               <a:rPr lang="en-NL" smtClean="0"/>
-              <a:t>23/11/2021</a:t>
+              <a:t>07/12/2021</a:t>
             </a:fld>
             <a:endParaRPr lang="en-NL"/>
           </a:p>
@@ -1009,7 +1009,7 @@
           <a:p>
             <a:fld id="{4500DDF9-37A4-4EF1-9D2B-9606A59C7AB2}" type="datetimeFigureOut">
               <a:rPr lang="en-NL" smtClean="0"/>
-              <a:t>23/11/2021</a:t>
+              <a:t>07/12/2021</a:t>
             </a:fld>
             <a:endParaRPr lang="en-NL"/>
           </a:p>
@@ -1241,7 +1241,7 @@
           <a:p>
             <a:fld id="{4500DDF9-37A4-4EF1-9D2B-9606A59C7AB2}" type="datetimeFigureOut">
               <a:rPr lang="en-NL" smtClean="0"/>
-              <a:t>23/11/2021</a:t>
+              <a:t>07/12/2021</a:t>
             </a:fld>
             <a:endParaRPr lang="en-NL"/>
           </a:p>
@@ -1608,7 +1608,7 @@
           <a:p>
             <a:fld id="{4500DDF9-37A4-4EF1-9D2B-9606A59C7AB2}" type="datetimeFigureOut">
               <a:rPr lang="en-NL" smtClean="0"/>
-              <a:t>23/11/2021</a:t>
+              <a:t>07/12/2021</a:t>
             </a:fld>
             <a:endParaRPr lang="en-NL"/>
           </a:p>
@@ -1726,7 +1726,7 @@
           <a:p>
             <a:fld id="{4500DDF9-37A4-4EF1-9D2B-9606A59C7AB2}" type="datetimeFigureOut">
               <a:rPr lang="en-NL" smtClean="0"/>
-              <a:t>23/11/2021</a:t>
+              <a:t>07/12/2021</a:t>
             </a:fld>
             <a:endParaRPr lang="en-NL"/>
           </a:p>
@@ -1821,7 +1821,7 @@
           <a:p>
             <a:fld id="{4500DDF9-37A4-4EF1-9D2B-9606A59C7AB2}" type="datetimeFigureOut">
               <a:rPr lang="en-NL" smtClean="0"/>
-              <a:t>23/11/2021</a:t>
+              <a:t>07/12/2021</a:t>
             </a:fld>
             <a:endParaRPr lang="en-NL"/>
           </a:p>
@@ -2098,7 +2098,7 @@
           <a:p>
             <a:fld id="{4500DDF9-37A4-4EF1-9D2B-9606A59C7AB2}" type="datetimeFigureOut">
               <a:rPr lang="en-NL" smtClean="0"/>
-              <a:t>23/11/2021</a:t>
+              <a:t>07/12/2021</a:t>
             </a:fld>
             <a:endParaRPr lang="en-NL"/>
           </a:p>
@@ -2355,7 +2355,7 @@
           <a:p>
             <a:fld id="{4500DDF9-37A4-4EF1-9D2B-9606A59C7AB2}" type="datetimeFigureOut">
               <a:rPr lang="en-NL" smtClean="0"/>
-              <a:t>23/11/2021</a:t>
+              <a:t>07/12/2021</a:t>
             </a:fld>
             <a:endParaRPr lang="en-NL"/>
           </a:p>
@@ -2568,7 +2568,7 @@
           <a:p>
             <a:fld id="{4500DDF9-37A4-4EF1-9D2B-9606A59C7AB2}" type="datetimeFigureOut">
               <a:rPr lang="en-NL" smtClean="0"/>
-              <a:t>23/11/2021</a:t>
+              <a:t>07/12/2021</a:t>
             </a:fld>
             <a:endParaRPr lang="en-NL"/>
           </a:p>
@@ -2987,7 +2987,7 @@
         </p:nvSpPr>
         <p:spPr>
           <a:xfrm>
-            <a:off x="2605516" y="887714"/>
+            <a:off x="2605516" y="864464"/>
             <a:ext cx="2515940" cy="910065"/>
           </a:xfrm>
           <a:prstGeom prst="roundRect">
@@ -3048,7 +3048,7 @@
         </p:nvCxnSpPr>
         <p:spPr>
           <a:xfrm>
-            <a:off x="2046347" y="1351856"/>
+            <a:off x="2046347" y="1328606"/>
             <a:ext cx="468000" cy="0"/>
           </a:xfrm>
           <a:prstGeom prst="straightConnector1">
@@ -3087,7 +3087,7 @@
         </p:nvGrpSpPr>
         <p:grpSpPr>
           <a:xfrm>
-            <a:off x="889392" y="887714"/>
+            <a:off x="889392" y="864464"/>
             <a:ext cx="1087745" cy="910065"/>
             <a:chOff x="2140824" y="3388914"/>
             <a:chExt cx="1087745" cy="910065"/>
@@ -3277,7 +3277,7 @@
         </p:nvCxnSpPr>
         <p:spPr>
           <a:xfrm>
-            <a:off x="1460973" y="463225"/>
+            <a:off x="1460973" y="439975"/>
             <a:ext cx="0" cy="288000"/>
           </a:xfrm>
           <a:prstGeom prst="straightConnector1">
@@ -3316,7 +3316,7 @@
         </p:nvSpPr>
         <p:spPr>
           <a:xfrm>
-            <a:off x="1044144" y="124662"/>
+            <a:off x="1044144" y="101412"/>
             <a:ext cx="908454" cy="307777"/>
           </a:xfrm>
           <a:prstGeom prst="rect">
@@ -3358,7 +3358,7 @@
         </p:nvCxnSpPr>
         <p:spPr>
           <a:xfrm flipV="1">
-            <a:off x="1460973" y="1898532"/>
+            <a:off x="1460973" y="1875282"/>
             <a:ext cx="0" cy="288000"/>
           </a:xfrm>
           <a:prstGeom prst="straightConnector1">
@@ -3397,7 +3397,7 @@
         </p:nvSpPr>
         <p:spPr>
           <a:xfrm>
-            <a:off x="638312" y="2203301"/>
+            <a:off x="638312" y="2180051"/>
             <a:ext cx="1863587" cy="307777"/>
           </a:xfrm>
           <a:prstGeom prst="rect">
@@ -3456,7 +3456,7 @@
         </p:blipFill>
         <p:spPr>
           <a:xfrm>
-            <a:off x="4423054" y="1011183"/>
+            <a:off x="4423054" y="987933"/>
             <a:ext cx="525086" cy="529971"/>
           </a:xfrm>
           <a:prstGeom prst="rect">
@@ -3478,7 +3478,7 @@
         </p:nvSpPr>
         <p:spPr>
           <a:xfrm>
-            <a:off x="2605515" y="535012"/>
+            <a:off x="2605515" y="511762"/>
             <a:ext cx="2515931" cy="307777"/>
           </a:xfrm>
           <a:prstGeom prst="rect">
@@ -3544,7 +3544,7 @@
         </p:blipFill>
         <p:spPr>
           <a:xfrm>
-            <a:off x="2789501" y="1039587"/>
+            <a:off x="2789501" y="1016337"/>
             <a:ext cx="478249" cy="473161"/>
           </a:xfrm>
           <a:prstGeom prst="rect">
@@ -3566,7 +3566,7 @@
         </p:nvSpPr>
         <p:spPr>
           <a:xfrm>
-            <a:off x="2569573" y="1532153"/>
+            <a:off x="2569573" y="1508903"/>
             <a:ext cx="1005397" cy="246221"/>
           </a:xfrm>
           <a:prstGeom prst="rect">
@@ -3631,7 +3631,7 @@
         </p:nvSpPr>
         <p:spPr>
           <a:xfrm>
-            <a:off x="4385836" y="1544396"/>
+            <a:off x="4385836" y="1521146"/>
             <a:ext cx="570794" cy="246221"/>
           </a:xfrm>
           <a:prstGeom prst="rect">
@@ -3675,7 +3675,7 @@
         </p:nvSpPr>
         <p:spPr>
           <a:xfrm>
-            <a:off x="5829349" y="887714"/>
+            <a:off x="5829349" y="864464"/>
             <a:ext cx="1785463" cy="910065"/>
           </a:xfrm>
           <a:prstGeom prst="roundRect">
@@ -3736,7 +3736,7 @@
         </p:nvCxnSpPr>
         <p:spPr>
           <a:xfrm>
-            <a:off x="5223680" y="1351856"/>
+            <a:off x="5223680" y="1328606"/>
             <a:ext cx="540000" cy="0"/>
           </a:xfrm>
           <a:prstGeom prst="straightConnector1">
@@ -3775,7 +3775,7 @@
         </p:nvSpPr>
         <p:spPr>
           <a:xfrm>
-            <a:off x="5829348" y="535012"/>
+            <a:off x="5829348" y="511762"/>
             <a:ext cx="1785461" cy="307777"/>
           </a:xfrm>
           <a:prstGeom prst="rect">
@@ -3822,7 +3822,7 @@
         </p:nvSpPr>
         <p:spPr>
           <a:xfrm>
-            <a:off x="5870901" y="1532153"/>
+            <a:off x="5870901" y="1508903"/>
             <a:ext cx="758006" cy="246221"/>
           </a:xfrm>
           <a:prstGeom prst="rect">
@@ -3869,7 +3869,7 @@
         </p:nvSpPr>
         <p:spPr>
           <a:xfrm>
-            <a:off x="6719033" y="1544396"/>
+            <a:off x="6719033" y="1521146"/>
             <a:ext cx="691398" cy="246221"/>
           </a:xfrm>
           <a:prstGeom prst="rect">
@@ -3931,7 +3931,7 @@
         </p:blipFill>
         <p:spPr bwMode="auto">
           <a:xfrm>
-            <a:off x="5942301" y="962232"/>
+            <a:off x="5942301" y="938982"/>
             <a:ext cx="600950" cy="600950"/>
           </a:xfrm>
           <a:prstGeom prst="rect">
@@ -3978,7 +3978,7 @@
         </p:blipFill>
         <p:spPr bwMode="auto">
           <a:xfrm>
-            <a:off x="6828486" y="1039587"/>
+            <a:off x="6828486" y="1016337"/>
             <a:ext cx="427293" cy="427293"/>
           </a:xfrm>
           <a:prstGeom prst="rect">
@@ -4010,7 +4010,7 @@
         </p:nvSpPr>
         <p:spPr>
           <a:xfrm>
-            <a:off x="8388809" y="313889"/>
+            <a:off x="8388809" y="259639"/>
             <a:ext cx="799558" cy="910065"/>
           </a:xfrm>
           <a:prstGeom prst="roundRect">
@@ -4071,7 +4071,7 @@
         </p:nvCxnSpPr>
         <p:spPr>
           <a:xfrm>
-            <a:off x="7730539" y="1351856"/>
+            <a:off x="7730539" y="1328606"/>
             <a:ext cx="564929" cy="341738"/>
           </a:xfrm>
           <a:prstGeom prst="straightConnector1">
@@ -4110,7 +4110,7 @@
         </p:nvSpPr>
         <p:spPr>
           <a:xfrm>
-            <a:off x="8128306" y="-36359"/>
+            <a:off x="8128306" y="-59609"/>
             <a:ext cx="1339097" cy="307777"/>
           </a:xfrm>
           <a:prstGeom prst="rect">
@@ -4157,7 +4157,7 @@
         </p:nvSpPr>
         <p:spPr>
           <a:xfrm>
-            <a:off x="8430361" y="960782"/>
+            <a:off x="8430361" y="906532"/>
             <a:ext cx="758006" cy="246221"/>
           </a:xfrm>
           <a:prstGeom prst="rect">
@@ -4219,7 +4219,7 @@
         </p:blipFill>
         <p:spPr bwMode="auto">
           <a:xfrm>
-            <a:off x="8509413" y="381911"/>
+            <a:off x="8509413" y="327661"/>
             <a:ext cx="599901" cy="599901"/>
           </a:xfrm>
           <a:prstGeom prst="rect">
@@ -4251,8 +4251,8 @@
         </p:nvSpPr>
         <p:spPr>
           <a:xfrm>
-            <a:off x="8389543" y="1307014"/>
-            <a:ext cx="799558" cy="910065"/>
+            <a:off x="8389543" y="1252764"/>
+            <a:ext cx="799558" cy="1060352"/>
           </a:xfrm>
           <a:prstGeom prst="roundRect">
             <a:avLst>
@@ -4310,7 +4310,7 @@
         </p:nvSpPr>
         <p:spPr>
           <a:xfrm>
-            <a:off x="7953867" y="2187957"/>
+            <a:off x="7965092" y="2292662"/>
             <a:ext cx="1711791" cy="307777"/>
           </a:xfrm>
           <a:prstGeom prst="rect">
@@ -4332,7 +4332,7 @@
                 </a:solidFill>
                 <a:latin typeface="+mj-lt"/>
               </a:rPr>
-              <a:t>Cluster evaluation</a:t>
+              <a:t>Clustering</a:t>
             </a:r>
             <a:endParaRPr lang="en-NL" sz="1400" dirty="0">
               <a:solidFill>
@@ -4357,8 +4357,8 @@
         </p:nvSpPr>
         <p:spPr>
           <a:xfrm>
-            <a:off x="8431095" y="1953907"/>
-            <a:ext cx="758006" cy="246221"/>
+            <a:off x="8418851" y="1804641"/>
+            <a:ext cx="758006" cy="553998"/>
           </a:xfrm>
           <a:prstGeom prst="rect">
             <a:avLst/>
@@ -4373,20 +4373,14 @@
           <a:p>
             <a:pPr algn="ctr"/>
             <a:r>
-              <a:rPr lang="en-US" sz="1000" dirty="0" err="1">
+              <a:rPr lang="en-US" sz="1000" dirty="0">
                 <a:solidFill>
                   <a:schemeClr val="tx1"/>
                 </a:solidFill>
                 <a:latin typeface="+mj-lt"/>
               </a:rPr>
-              <a:t>clusteval</a:t>
-            </a:r>
-            <a:endParaRPr lang="en-NL" sz="1000" dirty="0">
-              <a:solidFill>
-                <a:schemeClr val="tx1"/>
-              </a:solidFill>
-              <a:latin typeface="+mj-lt"/>
-            </a:endParaRPr>
+              <a:t>Clustering and evaluation</a:t>
+            </a:r>
           </a:p>
         </p:txBody>
       </p:sp>
@@ -4419,7 +4413,7 @@
         </p:blipFill>
         <p:spPr bwMode="auto">
           <a:xfrm>
-            <a:off x="8574291" y="1394989"/>
+            <a:off x="8574291" y="1340739"/>
             <a:ext cx="470944" cy="470944"/>
           </a:xfrm>
           <a:prstGeom prst="rect">
@@ -4453,7 +4447,7 @@
         </p:nvCxnSpPr>
         <p:spPr>
           <a:xfrm flipV="1">
-            <a:off x="9289113" y="1449189"/>
+            <a:off x="9289113" y="1425939"/>
             <a:ext cx="545203" cy="210985"/>
           </a:xfrm>
           <a:prstGeom prst="straightConnector1">
@@ -4492,7 +4486,7 @@
         </p:nvSpPr>
         <p:spPr>
           <a:xfrm>
-            <a:off x="9701489" y="535012"/>
+            <a:off x="9701489" y="511762"/>
             <a:ext cx="1447356" cy="307777"/>
           </a:xfrm>
           <a:prstGeom prst="rect">
@@ -4539,7 +4533,7 @@
         </p:nvGrpSpPr>
         <p:grpSpPr>
           <a:xfrm>
-            <a:off x="9974440" y="880552"/>
+            <a:off x="9974440" y="857302"/>
             <a:ext cx="985159" cy="910065"/>
             <a:chOff x="10767955" y="946420"/>
             <a:chExt cx="985159" cy="910065"/>
@@ -5004,7 +4998,7 @@
         </p:blipFill>
         <p:spPr bwMode="auto">
           <a:xfrm>
-            <a:off x="3635915" y="1057727"/>
+            <a:off x="3635915" y="1034477"/>
             <a:ext cx="455020" cy="455020"/>
           </a:xfrm>
           <a:prstGeom prst="rect">
@@ -5036,7 +5030,7 @@
         </p:nvSpPr>
         <p:spPr>
           <a:xfrm>
-            <a:off x="3463004" y="1522082"/>
+            <a:off x="3463004" y="1498832"/>
             <a:ext cx="758006" cy="246221"/>
           </a:xfrm>
           <a:prstGeom prst="rect">
@@ -5085,7 +5079,7 @@
         </p:nvCxnSpPr>
         <p:spPr>
           <a:xfrm>
-            <a:off x="9290953" y="988209"/>
+            <a:off x="9290953" y="964959"/>
             <a:ext cx="542946" cy="235745"/>
           </a:xfrm>
           <a:prstGeom prst="straightConnector1">
@@ -5126,7 +5120,7 @@
         </p:nvCxnSpPr>
         <p:spPr>
           <a:xfrm flipV="1">
-            <a:off x="7730539" y="933806"/>
+            <a:off x="7730539" y="910556"/>
             <a:ext cx="551614" cy="351431"/>
           </a:xfrm>
           <a:prstGeom prst="straightConnector1">
